--- a/demo_site/files/slides/lecture14_graphs1_inkb.pptx
+++ b/demo_site/files/slides/lecture14_graphs1_inkb.pptx
@@ -142,6 +142,388 @@
     </p:ext>
   </p:extLst>
 </p:presentation>
+</file>
+
+<file path=ppt/ink/ink1.xml><?xml version="1.0" encoding="utf-8"?>
+<inkml:ink xmlns:inkml="http://www.w3.org/2003/InkML">
+  <inkml:definitions>
+    <inkml:context xml:id="ctx0">
+      <inkml:inkSource xml:id="inkSrc0">
+        <inkml:traceFormat>
+          <inkml:channel name="X" type="integer" max="3968" units="cm"/>
+          <inkml:channel name="Y" type="integer" max="2240" units="cm"/>
+          <inkml:channel name="T" type="integer" max="2.14748E9" units="dev"/>
+        </inkml:traceFormat>
+        <inkml:channelProperties>
+          <inkml:channelProperty channel="X" name="resolution" value="128.41425" units="1/cm"/>
+          <inkml:channelProperty channel="Y" name="resolution" value="128.73563" units="1/cm"/>
+          <inkml:channelProperty channel="T" name="resolution" value="1" units="1/dev"/>
+        </inkml:channelProperties>
+      </inkml:inkSource>
+      <inkml:timestamp xml:id="ts0" timeString="2026-02-06T23:38:59.196"/>
+    </inkml:context>
+    <inkml:brush xml:id="br0">
+      <inkml:brushProperty name="width" value="0.05292" units="cm"/>
+      <inkml:brushProperty name="height" value="0.05292" units="cm"/>
+      <inkml:brushProperty name="color" value="#FF0000"/>
+    </inkml:brush>
+  </inkml:definitions>
+  <inkml:trace contextRef="#ctx0" brushRef="#br0">5539 14857 0,'0'0'0,"0"0"0,0 0 0,0 0 0,0 0 16,0 0 0,0 0-1,0 0-15,0 0 16,0 0-16,0 0 16,0 0-1,0 0-15,0 0 16,0 0-16,0-8 15,0-1 1,0-16 0,17-18-1,0 1-15,9 8 16,0 0-16,8-9 16,8-16-16,10-1 15,7-16 1,1-1-16,8 9 31,1-9-31,7 9 16,10 0-1,-1 0-15,18-8 16,-1 8-16,9 0 16,17 8-1,8 1 1,10-9-16,7 0 15,1-9 1,17 1-16,25-10 16,0 1-1,0 17-15,1 9 16,25-1-16,17 9 16,8 0-1,9 0-15,-17 9 16,17 8-1,26-9-15,-9 18 16,-8 8-16,16 0 31,9 17-31,-16 8 16,-18 1 0,25 16-16,18 1 15,-17-9 1,-1 0-16,-16 0 15,-35 0 1,-25 0-16,-34 0 16,-35 0-1,-33 0-15,-35 0 16,-34-9 0,-8 1-16,-18-9 15,1 0 1,-1 0-16,1 0 15,-9 0 1,0-9-16,17-8 16,0 0-1</inkml:trace>
+  <inkml:trace contextRef="#ctx0" brushRef="#br0" timeOffset="345.44">14057 12468 0,'0'0'0,"0"0"16,0 0-16,0 17 15,17 0 1,26 25-16,34 1 16,8-1-1,9 1-15,-9-9 16,1-9-16,-10 1 15,-16-1 1,-17 9-16,-1 0 31,-7 0-31,-10 0 16,-8 0-16,-8-8 16,-26 8-1,-52 25 1,-76 18-16,-59-1 15,16-16 1,26-9-16,-112 51 16</inkml:trace>
+  <inkml:trace contextRef="#ctx0" brushRef="#br0" timeOffset="10512.72">5864 12765 0,'0'0'0,"0"0"0,0 0 16,0 0-16,0 0 15,0 0 1,0 0-16,0 0 16,-9 17-16,0 17 15,1 17 1,-1 26-16,1 33 31,-18 9-31,9-17 16,0-33-16,9-27 15,-1-16-15,9-1 32,0-16-32,9-26 15,33-51-15,44-52 16,33-7 0,9-26-16,9-9 15,8 26 1,-9 43-16,-16 42 15,-18 34 1,1 34-16,16 51 16,-8 59-1,-43 26 1,-25 68-16,0 128 16</inkml:trace>
+  <inkml:trace contextRef="#ctx0" brushRef="#br0" timeOffset="26494.43">19024 13216 0,'0'0'0,"0"0"0,0 0 16,0 0-1,0 0-15,0 0 16,0 0-1,0 0 1,0-9-16,9 1 16,34-18-16,33-16 15,18 8 1,17 8-16,-17 1 16,34-1-1,43-8-15,-9 9 16,9 8-1,68 0-15,-17 0 16,-9 0 0,0 0-1,9 0-15,43 8 16,-18 9-16,9 9 16,-25-1-1,-9 9-15,-17 9 16,-18-1-16,10 18 31,-35 8-31,-26 17 16,9 17-1,-25 0-15,-18 9 16,-16 8-16,-18 8 16,-17 9-1,-17 9-15,-8-26 16,-17-17-1,8-9 1,0 1-16,-9-26 16,1-26-16</inkml:trace>
+  <inkml:trace contextRef="#ctx0" brushRef="#br0" timeOffset="26879.01">23855 14253 0,'0'0'0,"0"0"16,0 0-16,0 0 15,0 0 1,0 0-16,0 0 15,0 0 1,0 0-16,0 9 16,0-1-1,0 10-15,17-1 16,0 0 0,17-9-16,26-8 15,34-34 1,9-26-1,7-16-15,-16-9 16,-17-9-16,-17 18 16,-26 16-1,-8 35-15,-18 25 16</inkml:trace>
+  <inkml:trace contextRef="#ctx0" brushRef="#br0" timeOffset="27587.12">23420 14126 0,'0'0'0,"0"0"0,0 0 16,0 0-16,0 0 16,0 0-1,0 0-15,0 0 16,0 0-1,0 0-15,17 0 16,17 17 0,9 17-16,8 25 15,9 35 1,-9 0-16,-17-9 16,-8-26-16,-18-25 15,1-8 1,-1-9-1,1-9-15,-9 1 16,0-9 0,0-9-16,25-42 15,52-93 1,34-52-16,9-25 16,-9 8-1,25 35-15,18 16 16,-43 52-1,-17 33-15,-9 17 16,-34 26-16</inkml:trace>
+  <inkml:trace contextRef="#ctx0" brushRef="#br0" timeOffset="39658.98">22020 11592 0,'0'0'0,"0"0"0,0 0 16,0 0-16,0 0 16,0 0-1,-8 0-15,-1 8 16,1 9-1,-10 17-15,1 9 16,-8 16 0,-26 43-1,-1 34-15,18-8 16,0-18 0,17-42-16,0-34 15,8-8 1,1-9-16,8-9 15,0 1 1,0 0-16,0-9 16,8-9-1,18-34-15,42-50 16,26-26-16,0 0 16,-9 8-1,-8 9 1,-26 34-16,-8 26 15,0 16-15,-1 18 16,-7 42 0,7 59-1,1 69-15,-17 25 16,-1-34 0,-8-34-16,-8-68 15</inkml:trace>
+  <inkml:trace contextRef="#ctx0" brushRef="#br0" timeOffset="51247.32">23659 11847 0,'0'0'0,"0"0"0,0 0 15,0 0-15,0 0 16,0 0 0,-9 25-16,1 18 31,-18 42-31,9 17 15,0-17 1,9-26-16,-1-8 16,0-25-16,1-1 15,-1-16 1</inkml:trace>
+  <inkml:trace contextRef="#ctx0" brushRef="#br0" timeOffset="51489.65">23360 12204 0,'0'0'0,"0"0"0,0 0 16,0 0-16,0 0 16,0 0-16,0 0 31,0 0-31,9 8 15,25 9-15,43 0 16,51-8 0,-9-18-16,-68 9 15</inkml:trace>
+  <inkml:trace contextRef="#ctx0" brushRef="#br0" timeOffset="51876.14">24367 12842 0,'0'-9'0,"17"-16"0,43-60 15,25-17-15,9-9 16,9-8 0,-18 8-16,-17 18 15,-42 50 1</inkml:trace>
+  <inkml:trace contextRef="#ctx0" brushRef="#br0" timeOffset="52082.83">24760 12825 0,'0'0'0,"43"-9"16,50 1-16,10-1 15,-9-16 1,-26-1-16,-8 1 0,-18-35 15,-16 26 1</inkml:trace>
+  <inkml:trace contextRef="#ctx0" brushRef="#br0" timeOffset="52289.58">24990 12629 0,'0'0'0,"0"0"16,-8 51-16,-9 60 16,8 25-1,18 42-15,8-16 16,-9-94 0</inkml:trace>
+</inkml:ink>
+</file>
+
+<file path=ppt/ink/ink10.xml><?xml version="1.0" encoding="utf-8"?>
+<inkml:ink xmlns:inkml="http://www.w3.org/2003/InkML">
+  <inkml:definitions>
+    <inkml:context xml:id="ctx0">
+      <inkml:inkSource xml:id="inkSrc0">
+        <inkml:traceFormat>
+          <inkml:channel name="X" type="integer" max="3968" units="cm"/>
+          <inkml:channel name="Y" type="integer" max="2240" units="cm"/>
+          <inkml:channel name="T" type="integer" max="2.14748E9" units="dev"/>
+        </inkml:traceFormat>
+        <inkml:channelProperties>
+          <inkml:channelProperty channel="X" name="resolution" value="128.41425" units="1/cm"/>
+          <inkml:channelProperty channel="Y" name="resolution" value="128.73563" units="1/cm"/>
+          <inkml:channelProperty channel="T" name="resolution" value="1" units="1/dev"/>
+        </inkml:channelProperties>
+      </inkml:inkSource>
+      <inkml:timestamp xml:id="ts0" timeString="2026-02-07T00:01:52.516"/>
+    </inkml:context>
+    <inkml:brush xml:id="br0">
+      <inkml:brushProperty name="width" value="0.05292" units="cm"/>
+      <inkml:brushProperty name="height" value="0.05292" units="cm"/>
+      <inkml:brushProperty name="color" value="#0070C0"/>
+    </inkml:brush>
+  </inkml:definitions>
+  <inkml:trace contextRef="#ctx0" brushRef="#br0">5539 10852 0,'0'0'0,"0"0"0</inkml:trace>
+  <inkml:trace contextRef="#ctx0" brushRef="#br0" timeOffset="1389.6">5001 10852 0,'0'0'0,"0"0"16,0 0-16,0 0 15,0 0 1,0 0-16,0-9 15,0-25 1,43-76-16,43-35 16,7 51-16,10 26 15,-26-8 1,-35-1-16,-16 1 16,0-1-1,16-16 1,9 8-16,-8 25 15,-9-8-15,0-8 16,-8-18 0,-18 0-16,-16 9 15,-26 9 1,-9-1-16,0-16 16,-16-1-1,-27-8 1,-8 9-16,-8 8 15,0 8 1,-1 9-16,-25-17 16,-34 0-1,25 25-15,18 26 16,-35 9 0,-8 16-16,9 18 15,-18 33 1,-17 18-16,9 16 15,8 18-15,0 42 16,26 9 0,26-1-1,-1 18-15,27 16 16,7 18 0,1 51-16,-9 8 15,26-9 1,34 10-16,8 7 15,26-8 1,26-8-16,25-34 16,26-60-1,33-34-15,1-26 16,26-16 0,59-18-16,-42-33 15,8-35 1,17-16-16,-42-9 15,-52 17 1,-25 0-16,-17 8 16,-18 1-1,1 8-15,-18 0 16,1 0-16,-9 0 16,-9-9-1,-8 1 1,-17-18-1,-8 1-15,-10 8 16,10 0-16,7 0 16,1 0-1,0 0-15,17 8 16,0 1 0,17 8-16,0-9 15,17-8 1,43-34-16,25-8 15,-16 8 1,-1 8 0,-8 9-16,-9 17 15,-26 9 1,1 8-16,-18 0 16,1 17-16,0 34 15,-18 25 1,-17 9-16,1 17 15,8-8 1,34-1 0,0-50-16</inkml:trace>
+  <inkml:trace contextRef="#ctx0" brushRef="#br0" timeOffset="8148.85">26134 6668 0,'0'0'0,"0"0"0,0 0 16,0 0-16,9 0 16,-9 0-1,17 8-15,0 1 16,8 8 0,18 0-1,34 8-15,42 9 16,26-17-1,26-17-15,34-8 16,42-18-16,-16-42 16,85-60-1</inkml:trace>
+</inkml:ink>
+</file>
+
+<file path=ppt/ink/ink11.xml><?xml version="1.0" encoding="utf-8"?>
+<inkml:ink xmlns:inkml="http://www.w3.org/2003/InkML">
+  <inkml:definitions>
+    <inkml:context xml:id="ctx0">
+      <inkml:inkSource xml:id="inkSrc0">
+        <inkml:traceFormat>
+          <inkml:channel name="X" type="integer" max="3968" units="cm"/>
+          <inkml:channel name="Y" type="integer" max="2240" units="cm"/>
+          <inkml:channel name="T" type="integer" max="2.14748E9" units="dev"/>
+        </inkml:traceFormat>
+        <inkml:channelProperties>
+          <inkml:channelProperty channel="X" name="resolution" value="128.41425" units="1/cm"/>
+          <inkml:channelProperty channel="Y" name="resolution" value="128.73563" units="1/cm"/>
+          <inkml:channelProperty channel="T" name="resolution" value="1" units="1/dev"/>
+        </inkml:channelProperties>
+      </inkml:inkSource>
+      <inkml:timestamp xml:id="ts0" timeString="2026-02-07T00:02:48.728"/>
+    </inkml:context>
+    <inkml:brush xml:id="br0">
+      <inkml:brushProperty name="width" value="0.05292" units="cm"/>
+      <inkml:brushProperty name="height" value="0.05292" units="cm"/>
+      <inkml:brushProperty name="color" value="#0070C0"/>
+    </inkml:brush>
+  </inkml:definitions>
+  <inkml:trace contextRef="#ctx0" brushRef="#br0">7664 8326 0,'0'0'0,"0"0"0,-8 0 0,-1 0 15,-8 0-15,-17 17 16,-17 0 0,-52 17-16,-25 25 15,-34 18 1,-25 25-16,33-8 15,17 8 1,1 25-16,-18 18 16,26-1-1,43 1-15,16 25 16,35-8 0,26-18-16,50-16 15,61 8 1,51-17-16,33-43 15,44-25 1,-18-42-16,-17-26 16,18-43-1,-18-16-15,-17-26 16,-16-43 0,-53-25-16,-50 17 15,-51-51 1,-52-26-16,-68 9 15,-77-17 1,-68 34-16,-34 59 16,-60 69-1,-68 67-15,17 86 16,-17 93 0,68 26-16</inkml:trace>
+  <inkml:trace contextRef="#ctx0" brushRef="#br0" timeOffset="77355.85">6777 6472 0,'0'0'0,"0"0"16,-9 25-16,-68 197 0,18-103 0,-1 8 0,26-42 0,17-25 15,0-18 1,17 1-16,25-9 15,26 8 1,26-16-16,26-1 16,16-8-1,26 0-15,0 0 16,-8 0 0,8 9-16,0 8 15,-42-9 1,-27 1-16,-7-9 15,-35-9 1,-9 1-16,-16-1 16,-1-8-1,-8 0-15,0-17 16,-8-25 0,8-52-16,0 26 15</inkml:trace>
+  <inkml:trace contextRef="#ctx0" brushRef="#br0" timeOffset="79512.52">9499 4065 0,'0'0'0,"0"0"0,0 0 16,0 0-1</inkml:trace>
+  <inkml:trace contextRef="#ctx0" brushRef="#br0" timeOffset="80127.98">9397 4065 0,'0'0'15,"0"0"-15,9 0 0,-1 0 16,1 0 0,-1 9-1,1 8-15,-1 25 16,-16 43 0,-18 17-16,-17 34 0,-8 9 15,0-1 1,8 1-1,1-9-15,7-8 16,10-43-16,8-34 16,0-17-1,8-9 1,1-16 0,8-1-16,0-25 15,0-51 1,8-34-16,1 0 15,-1 9-15,1 16 16,-1 26 0,-8 17-1,0 17-15,0 9 0,0 8 32,0 8-32,0 35 15,9 33 1,-9 18-16,0 8 15,0 0 1,0-9-16,0-25 16,0-25-16,8-18 15,9 1-15,52-18 32,33-16-32,18-35 15,16-42 1,9-34-16,94-76 0</inkml:trace>
+  <inkml:trace contextRef="#ctx0" brushRef="#br0" timeOffset="82242.67">11036 7637 0,'8'0'0,"18"0"15,8 0-15,34 9 16,35-1-1,42-25-15,60-17 16,25-9 0,43 1-16,43-9 15,34 17 1,85 17-16,18 8 16,-61 26-1</inkml:trace>
+</inkml:ink>
+</file>
+
+<file path=ppt/ink/ink2.xml><?xml version="1.0" encoding="utf-8"?>
+<inkml:ink xmlns:inkml="http://www.w3.org/2003/InkML">
+  <inkml:definitions>
+    <inkml:context xml:id="ctx0">
+      <inkml:inkSource xml:id="inkSrc0">
+        <inkml:traceFormat>
+          <inkml:channel name="X" type="integer" max="3968" units="cm"/>
+          <inkml:channel name="Y" type="integer" max="2240" units="cm"/>
+          <inkml:channel name="T" type="integer" max="2.14748E9" units="dev"/>
+        </inkml:traceFormat>
+        <inkml:channelProperties>
+          <inkml:channelProperty channel="X" name="resolution" value="128.41425" units="1/cm"/>
+          <inkml:channelProperty channel="Y" name="resolution" value="128.73563" units="1/cm"/>
+          <inkml:channelProperty channel="T" name="resolution" value="1" units="1/dev"/>
+        </inkml:channelProperties>
+      </inkml:inkSource>
+      <inkml:timestamp xml:id="ts0" timeString="2026-02-06T23:40:03.306"/>
+    </inkml:context>
+    <inkml:brush xml:id="br0">
+      <inkml:brushProperty name="width" value="0.05292" units="cm"/>
+      <inkml:brushProperty name="height" value="0.05292" units="cm"/>
+      <inkml:brushProperty name="color" value="#FF0000"/>
+    </inkml:brush>
+  </inkml:definitions>
+  <inkml:trace contextRef="#ctx0" brushRef="#br0">5001 13709 0,'0'0'0,"0"0"0,0 0 15,0 0-15,0 0 16,-8 0 0,-18 0-16,-25 0 15,-17 17 1,-18 0-16,-7 0 16,33 0-1,0 9-15,-25 8 16,-18 17-16,-42 25 15,-17 26 1,0 9 0,-9 8-16,26-8 15,43-18 1,25-8-16,26-8 16,8-1-1,34-8-15,18-8 16,42 8-16,86 25 15,33-16 1,44-9-16,25-17 16,0 0-1,17-8 1,0-9-16,0 8 16,9 1-1,16-18-15,1 1 16,0-26-1,-18-17-15,9-17 16,-8-9-16,-18 1 0,-16-26 31,-35-18-15,-42 1-16,-26 0 16,-51 17-1,-26 9-15,-9-1 16,-25-16-1,-25-26-15,-35-9 16,-42 1 0,-77-9-16,-52-18 15,-42 1 1,-25 26 0,-35 25-16,-60 17 15,9 17-15,-8 17 16,-78 17-1,-59 34-15,-51 51 16,-17 76 0,25 26-16,162-42 15</inkml:trace>
+</inkml:ink>
+</file>
+
+<file path=ppt/ink/ink3.xml><?xml version="1.0" encoding="utf-8"?>
+<inkml:ink xmlns:inkml="http://www.w3.org/2003/InkML">
+  <inkml:definitions>
+    <inkml:context xml:id="ctx0">
+      <inkml:inkSource xml:id="inkSrc0">
+        <inkml:traceFormat>
+          <inkml:channel name="X" type="integer" max="3968" units="cm"/>
+          <inkml:channel name="Y" type="integer" max="2240" units="cm"/>
+          <inkml:channel name="T" type="integer" max="2.14748E9" units="dev"/>
+        </inkml:traceFormat>
+        <inkml:channelProperties>
+          <inkml:channelProperty channel="X" name="resolution" value="128.41425" units="1/cm"/>
+          <inkml:channelProperty channel="Y" name="resolution" value="128.73563" units="1/cm"/>
+          <inkml:channelProperty channel="T" name="resolution" value="1" units="1/dev"/>
+        </inkml:channelProperties>
+      </inkml:inkSource>
+      <inkml:timestamp xml:id="ts0" timeString="2026-02-06T23:41:08.137"/>
+    </inkml:context>
+    <inkml:brush xml:id="br0">
+      <inkml:brushProperty name="width" value="0.05292" units="cm"/>
+      <inkml:brushProperty name="height" value="0.05292" units="cm"/>
+      <inkml:brushProperty name="color" value="#FF0000"/>
+    </inkml:brush>
+  </inkml:definitions>
+  <inkml:trace contextRef="#ctx0" brushRef="#br0">3926 4533 0,'0'0'0,"0"0"0,0 0 16,0 0-16,-8 0 15,-35 8 1,-94 43-16,-8 26 15,0 25 1,-77 17-16,34 17 16,60 9-1,-17-1-15,-51 9 16,51 9 0,94-43-16,17-17 15,17-8 1,-1-1-16,18 1 15,35 16 1,84 9-16,18-34 16,33-25-1,86-1-15,-8-25 16,25-17 0,68-17-16,-25-34 15,77 0 1,-52 0-16,-85-25 15,111-26 1,-68 25-16,-52 9 16,-8 9-1,-51-1-15,0 1 16,-43-1 0,-34-8-16,-60 9 15,-8-1-15,-17-16 16,-35-26-1,-76-52 1,-86-16-16,-136 17 16,-69 17-16,-42 51 15,-94 17 1,-34 34-16,-52 43 16,-59 67-1,-60 77 1,26 77-16,307-60 15</inkml:trace>
+  <inkml:trace contextRef="#ctx0" brushRef="#br0" timeOffset="3361.47">4575 7603 0,'8'0'0,"35"-9"0,59-16 0,26-9 15,26 8-15,25-16 16,-34 8 0,-34 8-1,0 9-15,-34 0 16,-26 0 0,-25 17-16,-9 0 15,-9 0-15,-42 9 16,-119 25-1,-78 17 1,-42-17-16,-26 17 16,43 0-1,69-26-15,42-7 16,51-10-16,42 1 16,27-1-1,25-8 1</inkml:trace>
+  <inkml:trace contextRef="#ctx0" brushRef="#br0" timeOffset="9547.36">3201 8845 0,'0'0'0,"8"0"16,9 8-16,77 18 15,119-1 1,69-16-16,34-18 15,128-8 1,51 0-16,17 26 16,85 25-1,-178 0-15</inkml:trace>
+  <inkml:trace contextRef="#ctx0" brushRef="#br0" timeOffset="22315.23">2484 10920 0,'0'0'0,"0"0"0,0 0 16,0 17-16,0 0 15,0 0 1,0 17-16,0 0 16,0 17-1,0-9 1,0 9-16,8 0 16,9 9-16,17-18 15,9 1 1,17-1-1,51-16 1,51-9-16,17-34 16,26-17-16,43 0 15,8 0 1,8 17 0,9 8-16,9 26 15,25 0 1,26 17-16,51 9 15,-8-9 1,-52-8-16,0-9 0,-33-9 16,-87 1-1,-50-18 1,-69 9 0,-33 0-16,-27-8 15,1-9 1,-1-26-16,-8-25 15,-8-34 1,-1 0-16,18-34 16,42-153-1</inkml:trace>
+  <inkml:trace contextRef="#ctx0" brushRef="#br0" timeOffset="50292.33">3115 9823 0,'0'0'0,"-8"0"0,-9 0 0,-17-9 16,-18 1-1,1-9 1,17 0-16,0 8 16,-9 9-1,0 9-15,-25 25 16,-9 34-16,-17 42 15,-25 52 1,8 25-16,17 0 16,9-8-1,17 8 1,16 0-16,18 8 16,9 35-1,16-26-15,18-25 16,16-1-1,43-25-15,9-25 16,26 0 0,59 8-16,9-34 15,25-9 1,51 1-16,26-18 16,1-25-1,50-8-15,0-9 16,9-17-1,9 0-15,-52-17 16,34-9 0,-17-16-16,1-9 15,-10-17 1,-50-17-16,-18 0 16,-8 0-1,9-26-15,-44-8 16,-16-17-1,8-17-15,-34-9 16,-25-8 0,-9-8-16,-26 25 15,-17-26 1,-25 18-16,-26 24 16,-25-16-1,-44-25 1,-33 8-16,-26 17 15,-85 0-15,-9 8 16,-17 9 0,-42 8-1,-35 26-15,-26 17 16,-42 17-16,-76 17 16,24 26-1,-16 25-15,-68 17 16,-27 34-1,-16 51-15,26 17 16,7 0 0,-16 43-16,154-26 15</inkml:trace>
+</inkml:ink>
+</file>
+
+<file path=ppt/ink/ink4.xml><?xml version="1.0" encoding="utf-8"?>
+<inkml:ink xmlns:inkml="http://www.w3.org/2003/InkML">
+  <inkml:definitions>
+    <inkml:context xml:id="ctx0">
+      <inkml:inkSource xml:id="inkSrc0">
+        <inkml:traceFormat>
+          <inkml:channel name="X" type="integer" max="3968" units="cm"/>
+          <inkml:channel name="Y" type="integer" max="2240" units="cm"/>
+          <inkml:channel name="T" type="integer" max="2.14748E9" units="dev"/>
+        </inkml:traceFormat>
+        <inkml:channelProperties>
+          <inkml:channelProperty channel="X" name="resolution" value="128.41425" units="1/cm"/>
+          <inkml:channelProperty channel="Y" name="resolution" value="128.73563" units="1/cm"/>
+          <inkml:channelProperty channel="T" name="resolution" value="1" units="1/dev"/>
+        </inkml:channelProperties>
+      </inkml:inkSource>
+      <inkml:timestamp xml:id="ts0" timeString="2026-02-06T23:42:33.361"/>
+    </inkml:context>
+    <inkml:brush xml:id="br0">
+      <inkml:brushProperty name="width" value="0.05292" units="cm"/>
+      <inkml:brushProperty name="height" value="0.05292" units="cm"/>
+      <inkml:brushProperty name="color" value="#FF0000"/>
+    </inkml:brush>
+    <inkml:brush xml:id="br1">
+      <inkml:brushProperty name="width" value="0.05292" units="cm"/>
+      <inkml:brushProperty name="height" value="0.05292" units="cm"/>
+      <inkml:brushProperty name="color" value="#0070C0"/>
+    </inkml:brush>
+  </inkml:definitions>
+  <inkml:trace contextRef="#ctx0" brushRef="#br0">12512 1284 0,'0'0'0,"0"0"0,0 0 16,0 0-16,0 0 0,0 0 0,0 0 16,0 0-1,0 0 1,0 17-16,0 17 15,0 26-15,-8 42 16,-1 8 0,1 9-1,8 9-15,0-9 16,17-25-16,0-43 16,-9-34-1</inkml:trace>
+  <inkml:trace contextRef="#ctx0" brushRef="#br0" timeOffset="868.11">13221 1335 0,'0'0'0,"8"0"16,18-8-16,8-1 15,17 1 1,17 8-16,-8 0 16,-17 0-1,-1 17-15,1 17 16,0 8 0,-9 9-16,-17 9 15,-17 16 1,-17 1-16,-26-9 15,-16-9-15,-10-8 16,-16-8 0,8-26-1,26-8-15,17-18 16,17 0 0,0 1-16,8-1 15,18-16-15,25-9 16,34 8-1,26 9 1,-17 9-16,8 8 16,18 17-1,-18 0 1,-8 0-16,8 17 16,-8 0-16,-43-17 0</inkml:trace>
+  <inkml:trace contextRef="#ctx0" brushRef="#br0" timeOffset="1441.03">14774 1310 0,'0'0'0,"0"0"0,17 8 16,9 1 0,8 8-1,0 0-15,9 0 16,-18 0-1,1-9-15,-18 1 16,1-1-16,-9 9 16,-17 9-16,-9-1 15,-8 1 1,8-18 0,9 1-1,9-1-15,8 1 16,0-9-1,25 8-15,27 1 16,33 8 0,-8-9-16,-34 1 15,-18-1 1,1 9-16,-1 9 16,-16 8-1,-9 8-15,-17 18 16,-26-1-1,9-16-15,0 0 16,17-18 0,17-16-16</inkml:trace>
+  <inkml:trace contextRef="#ctx0" brushRef="#br0" timeOffset="1872.87">16379 1429 0,'0'0'0,"0"0"15,-9 8-15,0 18 16,-16 25-1,-18 17-15,-8 8 16,-9-16 0,9-9-16,8-26 15,18-8 1,8-8-16,17-1 16,0-8-16,17 0 15,51 0 1,26-8-16,25-1 31,18 1-31,0 8 16,-35 0-16,-25-9 15,8 1 1,0 8-16,-33-9 16,-27 1-1,-8 8-15</inkml:trace>
+  <inkml:trace contextRef="#ctx0" brushRef="#br0" timeOffset="2092.64">17070 1582 0,'0'0'0,"-9"0"0,-25 42 16,-60 60-1,-17 26-15,9-17 16,8 8 0,9-9-16,34-33 0,33-43 31</inkml:trace>
+  <inkml:trace contextRef="#ctx0" brushRef="#br0" timeOffset="2793.52">12930 2696 0,'0'0'0,"0"0"0,-8 8 15,-1 18-15,1 25 0,-18 26 16,1 25-16,-10 17 31,10 0-31,8-17 0,0-9 31,8-16-15,9-43-16</inkml:trace>
+  <inkml:trace contextRef="#ctx0" brushRef="#br0" timeOffset="3633.35">13391 2806 0,'0'0'0,"0"0"0,0 9 16,9 8-1,8 0 1,26 17-16,8 0 16,9 0-16,25 9 15,9-9 1,-17 0-16,-9 0 16,-17-9-1,-17 1-15,-8-1 16,-9 1-1,-9-9 1,1 8-16,0 1 16,-9-1-1,0-8-15,-9 0 16,0 0 0,1 0-1,-18 0-15,1 0 0,-18 0 16,0-8-1,-8-1 1,17 1-16,0-9 16,8-9-1,-8 1-15,17-1 16,0 1-16,0-9 16,17 0-1,0-9-15,17 9 16,9 0-1,25 0 1,26 9-16,16 16 16,-16 9-1,-17 9-15,8 8 16,-8 0-16,-9 0 16,-8-9-1,-17-8-15</inkml:trace>
+  <inkml:trace contextRef="#ctx0" brushRef="#br0" timeOffset="4216.3">15312 2900 0,'0'0'0,"0"0"0,0 0 16,0 0-16,0 0 15,0 0 1,-9 0-16,1 9 16,-1-1-1,-17 9-15,1 0 16,-1 17 0,-8 0-16,9 0 15,7-8 1,1-1-16,9 1 15,8 8 1,0 0-16,17 8 16,17 1-1,0-1 1,-8-16-16,8 8 16,9 8-16,-1 1 15,-16-1 1,0 1-16,-18-1 15,1-16 1,-18-1 0,1-8-16,-10 0 15,1-8-15,17-1 16</inkml:trace>
+  <inkml:trace contextRef="#ctx0" brushRef="#br0" timeOffset="4441.45">15508 2977 0,'0'0'0,"0"0"0,0 0 15,0 0-15,17 8 16,26 9-1,25-8-15,-8-1 16,-35-8 0</inkml:trace>
+  <inkml:trace contextRef="#ctx0" brushRef="#br0" timeOffset="4808.78">16327 3028 0,'0'0'0,"0"0"16,0 0-1,9 0-15,34-9 16,8 1-16,0-1 15,9 1 1,8-1 0,-8 9-16,-18 0 15,1 9 1,-17-1-16,-1 9 16,-8 9-1,-25 50-15,-69 69 16,-60 16-1,18-16-15,34-26 16,25-43 0,51-50-16</inkml:trace>
+  <inkml:trace contextRef="#ctx0" brushRef="#br1" timeOffset="11320.38">12538 1199 0,'0'0'0,"-17"-8"0,-9-1 0,1 1 15,7-9 1,1 8 0,0 1-16,9-1 15,-1 1-15,-8 8 16,0 0 0,-8 17-1,-1 0-15,0 17 16,-16 8-16,-18 9 15,-8 0 1,-1 9-16,10 8 16,-1 17-1,9 8-15,-1-8 16,10-8 0,8-9-16,8 0 15,0 9 1,1 33-16,8 1 15,0-18 1,0-8 0,17-8-16,0-9 15,0 25 1,0 9-16,0-8 16,0-9-16,0-8 15,8 8 1,1 17-1,8-17-15,0-9 16,17-8-16,0-8 16,0-9-1,9-9 1,17 9-16,16-8 16,-7-1-1,-1 1-15,0-1 16,-8-16-16,0 0 15,-9-9 1,0-9 0,0-8-16,9-8 15,-9-9-15,1-9 16,-1 0 0,-9-16-16,10-1 15,-10-16 1,1-9-1,0-26-15,-18-8 16,1 9-16,0 8 16,-1-9-1,9-16-15,0-35 16,-8 26 0,-9 17-16,0 0 15,9-34 1,-9 17-1,-17 17-15,-9 0 0,-8 0 32,-8-26-32,-10 9 15,1 42 1,0 1-16,-8-1 16,-18-16-16,-9 8 15,-16 8 1,-26 9-16,-17 17 15,-34 9 1,-60 25 0,-51 68-16,-68 42 0</inkml:trace>
+  <inkml:trace contextRef="#ctx0" brushRef="#br1" timeOffset="22104.66">13477 808 0,'-9'0'0,"1"0"0,-1 8 16,-8 1 0,8-1-16,1 1 15,-9 8 1,-9 8-16,1 9 16,-1 0-1,-17 26-15,-25 42 16,0 0-1,17 9-15,8 16 16,9 26 0,17-17-16,0-17 15,17 52 1,0-1-16,8-9 16,1 35-1,-1-18-15,9-24 16,9 7-1,8 1-15,17-26 16,-8-17 0,8-26-16,9-8 15,17-8 1,0-26-16,25-17 16,0-34-1,1-17 1,8-26-16,0-33 15,34-43 1,-26-34-16,-25 0 16,-8-43-16,-35 1 15,-26 16 1,-33-51-16,-18 1 16,-8-9-1,-17 8-15,-26 26 16,-34-17-1,9 25-15,-1 35 16,-50 7 0,-27 18-1,35 68-15,-68 26 16,-18 59 0,-76 25-16</inkml:trace>
+  <inkml:trace contextRef="#ctx0" brushRef="#br1" timeOffset="25174.92">15064 663 0,'0'0'0,"0"0"0,0 0 16,0 0-1,0 0-15,-8 0 16,-1-17 0,1 0-16,-9 17 15,-9-25 1,0 16-16,-16 1 16,-18 8-1,9 8-15,-1 26 16,18-17-1,0 17-15,9 9 16,-10 42-16,-7 0 16,8 51-1,-9 9-15,0 25 16,9 17 0,9 0-1,7 0-15,10 9 16,-1 25-1,18-17 1,8-9-16,9-16 16,16 8-16,18-17 15,8-25 1,26-9-16,0-26 16,17-33-16,17-18 15,17-33 1,-8-43-1,16-51-15,18-60 16,8-42-16,-34-34 16,-34-34-1,-34-26 1,-51-16-16,-35-1 16,-59-17-1,-86-8-15,-59 51 16,-43 51-1,-51 85-15,-95 119 16,1 68 0</inkml:trace>
+  <inkml:trace contextRef="#ctx0" brushRef="#br1" timeOffset="27753.91">14825 4099 0,'0'0'0,"0"0"16,0 0-16,0 0 15,0 0 1,0 0 0,17 0-16,26 0 0,25-8 15,26-1 1,9-8 0,33-8-16,9-1 15,-8-16 1,-1-1-16,-25 9 15,-34 9-15,-26 8 32,-25 8-32,-18 9 15,1 0-15,-18 0 16,-33 26 0,-52 25-1,-26 25-15,-16 9 16,-9 9-1,17-1-15,59-25 16,27-34 0,16-8-16,9-18 15,9 1-15,-1-1 16,0 1 0,9-18-16,9-42 15,17-42 1,25-35-16,17-8 15,-17 34 1,-8 34 0,-17 17-16,-1 17 15,-16 17 1,-1 0-16,1 8 16,-1 9-16,-8 0 15,17 34 1,0 35-1,18 41-15,-1 18 16,0 8 0,9-9-16,-9-16 0,-9-26 31,-16-26-31,-1-25 16,1-8-1,-1-18-15,-8 1 16,-8-9-1,-9-17-15,-43-34 16,-17-34 0,-51-43-16,-8 1 15,33 42 1,1-9-16,-1 18 16,44 50-16</inkml:trace>
+  <inkml:trace contextRef="#ctx0" brushRef="#br1" timeOffset="70868.08">16379 4193 0,'0'0'0,"8"0"0,9 0 16,69 0-16,-44-9 0,52 1 0,8-9 16,18-9-16,17 1 15,-18-9 1,-17 17-16,-25 8 16,-43 1-1,-8-1-15,-9 9 16,-8 0-1,-1 0 1,1 0-16,-1 0 16,-25 0-1,-26 17 1,-76 0-16,-1 9 0,10-9 16,-18 8-1,34-8-15,34-8 16,17-1-1,18 1 1,8-9-16,17 0 16,0 0-1,0 0-15,42 17 16,26 8-16,43 9 16,43-8-1,0-18 1,-43 1-16,-60-1 15,-17 1 1,-8-9-16,-18 8 16,-25 1-1,-128 50-15,-128 35 16,-9-18 0,18-16-16,-61 25 15</inkml:trace>
+  <inkml:trace contextRef="#ctx0" brushRef="#br1" timeOffset="144094.44">1895 4660 0,'0'0'0,"0"0"0,0 0 0,0 0 0,0 0 0,0 17 0,-9 17 16,-8 35 0,-17 33-16,-9 0 15,18 0 1,-18-26-16,26-25 16,0-17-16,17-8 15,0-9 1,26 0-16,25-9 31,43-8-31,34-25 16,-9-9-16,9-9 15,34-8-15,-8 17 16,-9 9 0,9-1-1,8 18-15,-17 8 16,9 8-16,16 9 15,-16 9 1,-18 8-16,1 8 31,-18-8-31,-16 0 16,-26-8 0,-18-9-16,-24-9 0,-10 1 15,-16-9 1,-1 0-1,1-9 1,-1-8-16,1-8 0,-1-9 31,9-17-31,-8 25 16</inkml:trace>
+  <inkml:trace contextRef="#ctx0" brushRef="#br1" timeOffset="153513.53">8603 6268 0,'0'0'0,"0"0"0,0 0 0,0 0 15,0 0-15,0 0 16,0 0 0,0 0-16,-8 17 15,-1 17-15,1 0 16,-9 17 0,8 0-1,0-9 1,1 1-16,-1-9 15,9 0 1,0 0-16,0 0 16,0-8-16,17-1 15,1 1 1,7-9-16,18 0 16,17 8-1,-1-16-15,1-1 16,17 1-16,25-1 31,18 9-31,16-8 16,-25 8-16,0 0 15,-34 0-15,-26-9 16,-17 1 0,-8-1-1,-17 1 1,-1-9-16,1 0 0,-9 0 15,0 0 1,0 0 0,0 0-1,0-9-15,0-16 16,0-18-16,0-8 16,-9-8-1,1-1-15,8 35 16</inkml:trace>
+  <inkml:trace contextRef="#ctx0" brushRef="#br1" timeOffset="207464.27">1220 13845 0,'0'0'0,"0"0"0,0 0 15,-8-17-15,8-25 16,0-35-16,0-33 15,0-52 1,43-34 0,16 1-16,-7-1 15,-1 35-15,-17 25 16,0 8-16,-8 43 16,-9 42-1,-17 18 1,0 8-16,0 17 15,0 0 1,-26 17-16,9 0 16,-17 25-1,0 1-15,25 0 16,-16-1-16,8-16 16,17-1-1,0-16-15,0-1 16,0 1-1,0-9 1,0 0-16,0-9 16,0 1-1,0-18 1,0-16-16,8-18 0,9 17 31,0 9-31,0 17 16,9 17-16,8 9 15,17 25 1,9 34-16,8 17 0,-8 17 31,-9-8-15,-17-52-16</inkml:trace>
+  <inkml:trace contextRef="#ctx0" brushRef="#br1" timeOffset="-194157.62">2313 11243 0,'0'0'0,"0"0"0,0 0 16,9 0-16,-9 0 16,0 0-1,0 0 1,0 0-16,0 0 15,0 0 1,0 0-16,0 0 16,0 0-1,0 0-15,0 0 16,0 0-16,0 0 16,0 0-1,0 0-15,0 17 16,0 0-1,0 0 1,0 0-16,8 0 16,1-9-1,-1 1-15,1-1 16,-9 1 0,8-1-16,-8-8 15,0 0 1,17 0-16,0 0 15,9-8 1,8-1-16,0-8 16,0 0-1,-8 0-15,0 0 16,-1 9 0,-16-1-16,-1 9 15,1 0 1,-9 0-16,0 0 15,0 0-15,0 0 16,8-8 0,1-1-1</inkml:trace>
+  <inkml:trace contextRef="#ctx0" brushRef="#br1" timeOffset="-190542.72">3371 11362 0,'0'0'0,"0"0"0,0 0 15,0 0 1,0 0 0,0 0-1,0 0-15,0 0 0,0 0 16,0-9 0,17 1-1,18-1 1,7 1-16,35 8 0,8 0 15,9 17 1,-17 0-16,-43-9 16</inkml:trace>
+  <inkml:trace contextRef="#ctx0" brushRef="#br1" timeOffset="-189823.03">4686 11592 0,'0'0'0,"0"0"0,17-9 16,17 1-1,9-1 1,16 1-16,18 8 15,17 0 1,-43 8-16</inkml:trace>
+  <inkml:trace contextRef="#ctx0" brushRef="#br1" timeOffset="-188171.48">6137 11600 0,'0'0'0,"8"0"0,52-8 16,51-1-1,68-25 1,34-17-16,-25 0 16,111-34-1</inkml:trace>
+  <inkml:trace contextRef="#ctx0" brushRef="#br1" timeOffset="-185581.02">7784 11387 0,'0'0'0,"0"0"0,-9 0 16,1 9-1,-9-1-15,-9 1 16,9-1-16,0 1 15,0 0 1,8-9 0,9 0-16,0 0 15,0 0-15,0 0 16,0 0 0,26 0-16,51 8 15,34 1 1,68-18-1,43-17-15,94-8 16</inkml:trace>
+</inkml:ink>
+</file>
+
+<file path=ppt/ink/ink5.xml><?xml version="1.0" encoding="utf-8"?>
+<inkml:ink xmlns:inkml="http://www.w3.org/2003/InkML">
+  <inkml:definitions>
+    <inkml:context xml:id="ctx0">
+      <inkml:inkSource xml:id="inkSrc0">
+        <inkml:traceFormat>
+          <inkml:channel name="X" type="integer" max="3968" units="cm"/>
+          <inkml:channel name="Y" type="integer" max="2240" units="cm"/>
+          <inkml:channel name="T" type="integer" max="2.14748E9" units="dev"/>
+        </inkml:traceFormat>
+        <inkml:channelProperties>
+          <inkml:channelProperty channel="X" name="resolution" value="128.41425" units="1/cm"/>
+          <inkml:channelProperty channel="Y" name="resolution" value="128.73563" units="1/cm"/>
+          <inkml:channelProperty channel="T" name="resolution" value="1" units="1/dev"/>
+        </inkml:channelProperties>
+      </inkml:inkSource>
+      <inkml:timestamp xml:id="ts0" timeString="2026-02-06T23:50:39.925"/>
+    </inkml:context>
+    <inkml:brush xml:id="br0">
+      <inkml:brushProperty name="width" value="0.05292" units="cm"/>
+      <inkml:brushProperty name="height" value="0.05292" units="cm"/>
+      <inkml:brushProperty name="color" value="#0070C0"/>
+    </inkml:brush>
+  </inkml:definitions>
+  <inkml:trace contextRef="#ctx0" brushRef="#br0">18060 1820 0,'0'0'0,"0"0"16,0 8-16,17 18 15,0 42-15,0 34 16,-8 9 0,-9 42-16,0 0 15,-9-43 1,9-42-16,0-25 16,-8-18-1,8 1-15,0-9 16,0-9-16,0 1 15,0-18 1,17-59 0,25-68-16,27-17 0,16-25 31,9 16-31,-9 35 16,1 33-1,-10 26-15,1 8 16,-17 26-16,8 17 15,9 26 1,0 16 0,-17 35-16,-9 42 15,-9 26 1,-24-1-16,-10 9 16,-8-8-16,0-18 15,9-33 1,-1-26-16,1-26 15,-1 1 1,1-18-16,-1 1 16</inkml:trace>
+  <inkml:trace contextRef="#ctx0" brushRef="#br0" timeOffset="303.01">20074 1769 0,'0'0'0,"0"0"0,0 25 0,0 35 31,-8 51-31,-1 25 16,-16 8 0,-1 26-16,9-34 0,0-59 15,17-43 1,0-9 0,0-8-1,8-8-15</inkml:trace>
+  <inkml:trace contextRef="#ctx0" brushRef="#br0" timeOffset="579.97">19511 2126 0,'0'0'0,"0"0"0,17 0 16,34 17 0,35-8-16,33-1 15,26-8 1,-17-8-16,-25-1 16,7-8-16,-16-8 15,9-1 1,-52 18-16</inkml:trace>
+  <inkml:trace contextRef="#ctx0" brushRef="#br0" timeOffset="863.89">20748 2730 0,'0'0'0,"0"0"0,0-9 16,18-8 0,24-42-16,18-43 15,-9 0 1,-8 17-16,0-26 0,-18 1 15,-16 8 1,-9 51 0</inkml:trace>
+  <inkml:trace contextRef="#ctx0" brushRef="#br0" timeOffset="1077.71">21073 2024 0,'0'0'0,"25"0"0,52 0 15,51 0 1,0-8 0,-25-9-1,-18-9-15,-8-16 16,-17 7-16,-9 1 16,-26 0-1,-25 26 1</inkml:trace>
+  <inkml:trace contextRef="#ctx0" brushRef="#br0" timeOffset="1238.57">21201 2058 0,'0'0'0,"0"0"0,8 17 15,18 51 1,34 51-16,17 26 15,8-9 1,9-43-16,-43-50 16</inkml:trace>
+  <inkml:trace contextRef="#ctx0" brushRef="#br0" timeOffset="4452.05">17693 3087 0,'0'0'0,"0"0"0,0 0 16,0 17-1,8 0 1,1 17-16,0 9 15,-1 16-15,1 18 16,-1-1 0,1-16-16,-1-18 15,1-8 1,8-8-16,0-1 16,34 1-1,43-9 1,25-26-16,27-16 15,16-18-15,0 1 16,-8 8 0,8 0-1,0 17-15,-26 17 16,-16 8 0,-26 9-16,-9 0 15,-8 9-15,-26-9 16,-17-9-16,-8 1 15,-18-1 1,1-8 0,0 0-16,-9-8 15,8-9 1,1-51-16,8-68 16,0-43-16,34-127 31</inkml:trace>
+  <inkml:trace contextRef="#ctx0" brushRef="#br0" timeOffset="6551.1">20399 2713 0,'0'0'0,"0"0"0,0 0 16,0 0-16,0 17 15,0 25 1,0 44-16,0 24 15,0 1-15,-9-18 32,0 1-32,9-26 15,0-9 1,0-16-16,0-1 16,9-16-1,8-1-15,0 1 16,26-9-1,34 0-15,34-9 16,17-16 0,17-9-16,8 0 15,9 17 1,1 0-16,-10 8 16,1 18-1,-26-1 1,-26-8-16,-33 9 15,-27-18-15,-16 1 16,0-1 0,-9-16-16,8-18 15,1-25 1,-1-25-16,1-35 16,-17 52-1</inkml:trace>
+</inkml:ink>
+</file>
+
+<file path=ppt/ink/ink6.xml><?xml version="1.0" encoding="utf-8"?>
+<inkml:ink xmlns:inkml="http://www.w3.org/2003/InkML">
+  <inkml:definitions>
+    <inkml:context xml:id="ctx0">
+      <inkml:inkSource xml:id="inkSrc0">
+        <inkml:traceFormat>
+          <inkml:channel name="X" type="integer" max="3968" units="cm"/>
+          <inkml:channel name="Y" type="integer" max="2240" units="cm"/>
+          <inkml:channel name="T" type="integer" max="2.14748E9" units="dev"/>
+        </inkml:traceFormat>
+        <inkml:channelProperties>
+          <inkml:channelProperty channel="X" name="resolution" value="128.41425" units="1/cm"/>
+          <inkml:channelProperty channel="Y" name="resolution" value="128.73563" units="1/cm"/>
+          <inkml:channelProperty channel="T" name="resolution" value="1" units="1/dev"/>
+        </inkml:channelProperties>
+      </inkml:inkSource>
+      <inkml:timestamp xml:id="ts0" timeString="2026-02-06T23:53:58.870"/>
+    </inkml:context>
+    <inkml:brush xml:id="br0">
+      <inkml:brushProperty name="width" value="0.05292" units="cm"/>
+      <inkml:brushProperty name="height" value="0.05292" units="cm"/>
+      <inkml:brushProperty name="color" value="#0070C0"/>
+    </inkml:brush>
+  </inkml:definitions>
+  <inkml:trace contextRef="#ctx0" brushRef="#br0">16967 9848 0,'0'0'0,"0"0"0,-8 9 0,-69 101 0,43-42 0,-9 0 16,1 0-16,-1 26 15,-17 33 1,0 1-16,18-9 16,-9-17-1,16-17-15,1-8 16,17-9-16,9-26 15,-1 1 1,9-18-16,0-8 16,0 0-1,17-8 1,17-26-16,43-26 16,17-8-16,-9 0 15,18 0 1,8 0-1,0 0-15,17 9 16,-9 16-16,-25 9 16,-17 17-1,-17 9-15,-18 8 16,-7 8 0,-18 26-1,-17 17-15,-26 17 16,-34 0-1,-34-17-15,-8-8 16,-26-18 0,-9-16-16,26-18 15,18-16 1,16-1-16,8-16 16,10-1-1,7-25-15,27 17 16</inkml:trace>
+  <inkml:trace contextRef="#ctx0" brushRef="#br0" timeOffset="638.84">18197 11294 0,'0'0'0,"0"0"16,0 0-16,0 0 15,0 0 1,0-17-16,0-34 16,17-43-1,8-16-15,18-26 16,25-43-1,9 18-15,-9-1 16,1-8 0,-10 17-16,-8 34 15,-8 8 1,-17-8-16,-1 26 16,-16 16-1,-9 9-15,-34 0 16,8 42-1</inkml:trace>
+  <inkml:trace contextRef="#ctx0" brushRef="#br0" timeOffset="1014.75">17889 10103 0,'0'0'0,"0"0"0,0 0 15,0 0-15,0 0 16,26-8-1,51-18-15,25-25 16,1-17 0,16-25-1,18-18-15,-26-8 16,-18 8-16,-24 18 16,-10 16-1,-7 18-15,-10 8 16,-16 17-1,0 17-15,-9 0 16,0 17 0,0 8-1,8 52-15,1 67 16,0 35 0,16-26-16,26-17 15,-16-59 1</inkml:trace>
+  <inkml:trace contextRef="#ctx0" brushRef="#br0" timeOffset="15780.14">5659 13820 0,'0'0'0,"0"0"0,0 0 0,0 0 15,0 0 1,0 0-16,0 0 16,0 0-1,0 0-15,0 0 16,0 0-1,0 0 1,0 0-16,0 0 16,0 0-1,0 0-15,0 0 16,0 17 0,0 0-16,0 0 15,0 0 1,0 17-1,0-9-15,0 1 16,0-9-16,0-9 16,0 1-16,0-1 15,0 9 1,8 0 0,9 0-16,17-8 15,1-1 1,24 1-16,27-1 0,8-8 31,-9 0-31,0 9 16,1-1-16,-1 9 31,17-8-31,9 8 16,0 8-16,0-16 15,26-1 1,8 9-16,0-8 15,-26-1 1,1-8-16,8 0 16,-9 0-1,-25 0-15,-8 0 16,-18 9 0,0-9-1,-8 0-15,0 8 16,-18-8-16,-7 0 15,-10 0 1,-8 0 0,-8 0-16,-1 0 15,1 0-15,-9 0 16,8-8 0,1-1-16,-1-8 15,1-8 1,0-18-16,8-16 15,0-26 1,-9 34-16</inkml:trace>
+  <inkml:trace contextRef="#ctx0" brushRef="#br0" timeOffset="27515.34">8953 13344 0,'0'0'0,"0"0"0,0 0 0,0 0 15,0 0 1,0 0 0,0 0-16,0 0 15,0 17-15,0 17 16,-8 17 15,-1 8-31,1 26 16,-1 17-16,0 0 0,-16-8 15,-1-1 1,-8 1-16,17-18 31,0-16-31,17-1 16,0-16-1,9 0-15,8-9 16,0-9 0,0 1-16,0-9 15,0 0 1,0 0-16,17 0 0,9 0 31,8-9-31,34 1 16,26-18-16,0 1 15,-8-9 1,16 0 0,18 0-1,-1 17-15,-16 0 16,8 0 0,25 0-16,10 8 15,-35-8-15,17 0 16,0 0-1,-17 0 1,-17 0-16,-9 0 16,9 0-1,-8 9-15,-18-1 16,-25 1-16,-18-1 16,1-8-1,-17 0 1,-1 0-16,1 0 15,-18 0 1,1 0-16,-1 0 16,1 0-16,-9-8 15,17-1 1,0 1 0,-8-18-16,-1 1 15,9-1 1,0-8-16,-8 0 15,-1 9 1,1-1-16,-1 0 16,1 1-16,0-9 15,8-9 1,0 1-16,-9-9 16,1-9-1,-1 1-15,1 8 16,-1 0-1,-8 0 1,0 17-16,0 0 16,0 17-1,0 0-15,0 0 16,0 8-16,0 1 16,0-1-1,0 1 1</inkml:trace>
+</inkml:ink>
+</file>
+
+<file path=ppt/ink/ink7.xml><?xml version="1.0" encoding="utf-8"?>
+<inkml:ink xmlns:inkml="http://www.w3.org/2003/InkML">
+  <inkml:definitions>
+    <inkml:context xml:id="ctx0">
+      <inkml:inkSource xml:id="inkSrc0">
+        <inkml:traceFormat>
+          <inkml:channel name="X" type="integer" max="3968" units="cm"/>
+          <inkml:channel name="Y" type="integer" max="2240" units="cm"/>
+          <inkml:channel name="T" type="integer" max="2.14748E9" units="dev"/>
+        </inkml:traceFormat>
+        <inkml:channelProperties>
+          <inkml:channelProperty channel="X" name="resolution" value="128.41425" units="1/cm"/>
+          <inkml:channelProperty channel="Y" name="resolution" value="128.73563" units="1/cm"/>
+          <inkml:channelProperty channel="T" name="resolution" value="1" units="1/dev"/>
+        </inkml:channelProperties>
+      </inkml:inkSource>
+      <inkml:timestamp xml:id="ts0" timeString="2026-02-06T23:55:57.071"/>
+    </inkml:context>
+    <inkml:brush xml:id="br0">
+      <inkml:brushProperty name="width" value="0.05292" units="cm"/>
+      <inkml:brushProperty name="height" value="0.05292" units="cm"/>
+      <inkml:brushProperty name="color" value="#0070C0"/>
+    </inkml:brush>
+  </inkml:definitions>
+  <inkml:trace contextRef="#ctx0" brushRef="#br0">1536 2271 0,'0'0'0,"0"0"0,0 0 0,0 0 15,0 0-15,0 0 16,0 0 0,17 17-16,9 34 15,0 59 1,-9 9 0,-26-25-1,-16 25-15,7 34 16,-7-25-16,8-52 15,17-25 1,-17-25 0,8-1-1,9-16-15,0-1 16,0-8 0,9 0-16,144-451 15,-153 451 1,0 0-16,0 0 15,0-17-15,0-17 16,0-42 0,0-18-1,0 26-15,26 9 16,-26 8 0,17 0-16,-8-9 15,8 9 1,17 17-16,17 9 15,34-9-15,26 25 16,-17 9 0,-9 17-16,26 26 15,-17 8 1,-25 25 0,-18 26-16,-43 34 15,-67 26 1,-35 8-16,-26 0 15,-59-25-15,0-43 16,-26-34 0,-145 8-1</inkml:trace>
+  <inkml:trace contextRef="#ctx0" brushRef="#br0" timeOffset="19801.15">11727 3878 0,'0'0'0,"0"0"0,0 0 16,-17 0-16,-26 0 15,9 0 1,-9 9-16,-33 8 16,-35 8-1,-34 26-15,25 0 16,26 17-16,-51 34 16,-34 26-1,34 8 1,42 25-16,-8 27 15,9 7 1,25-16-16,43-26 16,26 25-16,25 9 15,42-25-15,18-9 16,34 26 15,85-1-31,-16-84 16,93-35-16,8-25 15,18-42 1,0-18-16,-17-76 16,-18-42-1,-51-18-15,1-16 16,-78-9-16,-16-18 16,-1-33-1,-59-17 1,-68-8-16,-69-18 15,-51 26 1,-51 8-16,-69 52 16,-68 41-16,-93 52 15,-61 85 1,-59 102-16,-128 137 16,8 101-1,69 153-15,272-178 16</inkml:trace>
+  <inkml:trace contextRef="#ctx0" brushRef="#br0" timeOffset="31462.16">9508 9967 0,'-9'0'0,"-25"17"0,-25 17 16,-35 17 0,-26 26-1,-59 50-15,-26 35 16,17 17-16,-51 50 15,17 9 1,18 17-16,-1 35 16,17-1-1,9 0-15,-1 0 16,27 0-16,42 0 16,43-51-1,59-42-15,26 8 31,43-51-31,34-42 16,76-9-16,61-34 16,93-43-1,1-33 1,-27-35-16,35-33 16,-34-43-1,34-51-15,-26 17 0,-17-43 16,-25-17-1,-60-25 1,-43-25 0,-51-9-16,-52-18 15,-59 18 1,-59-17-16,-78 25 0,-59 18 31,-43 50-31,-51 60 16,-60 60-1,-9 67-15,9 60 16</inkml:trace>
+  <inkml:trace contextRef="#ctx0" brushRef="#br0" timeOffset="32627.26">21286 5205 0,'0'0'0,"-8"0"16,-35 0-16,-59 0 15,-44 0 1,-33 8-16,-17 26 0,-17 17 16,-1 26-1,-8 16 1,17 18 0,9-9-16,0 26 15,17 8 1,33 8-16,18-8 15,26 34 1,25 17-16,26-8 16,25 17-1,26 16-15,35-8 16,33-8 0,34-9-16,18-8 15,50-1 1,52-16-16,34-26 15,69-17 1,42 9-16,0-26 16,-34-43-16,8-33 15,0-26 1,-59-17 0,0-34-16,-1-51 15,-25-18-15,-42-7 16,-26-60-1,-43-9-15,-52-25 16,-41-26 0,-69-42-1,-69 0-15,-84 0 16,-78-9 0,-42 18-16,-69 16 15,-76 34-15,-34 43 16,-95 68-1,-84 77-15,-35 101 16,-8 86 0,289-26-1</inkml:trace>
+  <inkml:trace contextRef="#ctx0" brushRef="#br0" timeOffset="64610.97">20040 11991 0,'0'0'0,"-8"0"0,-1-8 16,-17-1 0,-25-16-16,-34-1 15,8 1 1,-8 8 0,-18 0-16,18 8 15,17 9-15,-9 9 16,-17 25-1,-17 34-15,-26 34 16,-8 25 0,9 18-16,16 17 15,1 25 1,8 42-16,25 9 16,18 1-1,17 7-15,42-16 16,18-9-1,42 9-15,43-43 16,68 25 0,86-8-16,25-59 15,0-52 1,120-7 0,16-35-16,-59-68 15,34-26-15,-34-25 16,-43-51-1,-25-26-15,-60-16 16,-60-18 0,-42-50-16,-35-27 15,-68-50 1,-77-25-16,-68 7 16,-68-7-1,-60 16 1,-60 43-16,-76 34 15,-18 93-15,-68 94 16,-60 111-16,-68 195 31,239-34-31</inkml:trace>
+  <inkml:trace contextRef="#ctx0" brushRef="#br0" timeOffset="99872.65">24538 8453 0,'0'0'0,"-9"0"0,-33-8 0,-325 25 0,205 25 0,-43 18 15,43-9-15,16 34 16,-33 43 0,26 16-16,42 18 15,51 59 1,26 43-16,25 42 16,43 8-1,52-33-15,33-9 16,1-8-1,-43-60-15,42 17 16,77 9 0,-51-128-1,43-26-15,51-8 16,51-59 0,-17-18-16,-42-33 15,59-77-15,77-102 16,-68 16-1,-103-7 1,0-43-16,-68 0 16,-25-9-16,-35-8 15,-51 8 1,-68 1-16,-51-18 16,-86 9-1,-68 25-15,-77 34 16,-111 69-1,-111 76-15,-51 93 16,43 86 0,170 8-1</inkml:trace>
+  <inkml:trace contextRef="#ctx0" brushRef="#br0" timeOffset="110961.45">25562 11915 0,'0'0'0,"0"0"0,0 0 0,0 0 15,0 0 1,0 0-16,-8 0 16,-9 25-1,-18 43-15,-7 26 16,8-18-1,-1-8 1,10 0-16,-1 0 0,-25 18 31,-17 24-31,-52 35 16,-25 25 0,-34 25-16,0 18 15,8-34 1,0-26-16,18-9 15,-9-25-15,-18-17 16,1 0 0,-9 0-1,9-8-15,42-26 0,27-25 16,41-18 0,27-16-1,25-1 1,-1-16-16,18-26 15,0-17 1,18 0-16,7-1 0,-16 18 16,-1 17-1,1 0 1,-1 0 0,1 9-16,-9 8 15,0 0-15,-9 0 31,-16 42-31,-44 86 0,-33 59 16,8 0 0,34-51-16,43-59 15,17-26 1,26-17 0,34-9-16,68-33 15,59-60 1,10-17-1,-18 17-15,-17 17 16,-25 17 0,-78 17-16</inkml:trace>
+  <inkml:trace contextRef="#ctx0" brushRef="#br0" timeOffset="111917.93">25187 8504 0,'0'0'0,"0"0"16,0 0-16,0 0 16,0 0-1,0 0-15,-9-8 16,-8-9-1,-9-26-15,1-8 0,-26-25 32,-26-26-32,-9-17 15,-7-9 1,-1 9-16,8 9 16,1 8-1,-9 8-15,-17 0 0,0 9 31,9 26-31,25 25 16,0 0 0,9 8-16,17 1 15,-1 8 1,18 0-16,0 8 16,17 1-1,0 8-15,8 0 16,1 0-1,-1 0-15,1 0 16,-1 0 0,-8 0-16,-17 17 15,-17 0 1,0 8-16,-9 9 16,-17 0-1,-51 9-15,-154 50 16</inkml:trace>
+  <inkml:trace contextRef="#ctx0" brushRef="#br0" timeOffset="112262.45">22694 7484 0,'0'0'0,"0"0"0,0 0 16,0 0-16,17-9 16,18-16-1,7-1-15,18 1 16,8-9-1,1-9 1,-10 1-16,-16-1 16,0 9-16,-18 9 15,1-1 1,0-8-16,-18 17 16,1 0-1,-1 0-15,-8 9 16,0-1-1,9 1-15,8-1 16,42-8-16,78-8 16,85-9-1,43 0 1,-18 0-16,77 0 16</inkml:trace>
+</inkml:ink>
+</file>
+
+<file path=ppt/ink/ink8.xml><?xml version="1.0" encoding="utf-8"?>
+<inkml:ink xmlns:inkml="http://www.w3.org/2003/InkML">
+  <inkml:definitions>
+    <inkml:context xml:id="ctx0">
+      <inkml:inkSource xml:id="inkSrc0">
+        <inkml:traceFormat>
+          <inkml:channel name="X" type="integer" max="3968" units="cm"/>
+          <inkml:channel name="Y" type="integer" max="2240" units="cm"/>
+          <inkml:channel name="T" type="integer" max="2.14748E9" units="dev"/>
+        </inkml:traceFormat>
+        <inkml:channelProperties>
+          <inkml:channelProperty channel="X" name="resolution" value="128.41425" units="1/cm"/>
+          <inkml:channelProperty channel="Y" name="resolution" value="128.73563" units="1/cm"/>
+          <inkml:channelProperty channel="T" name="resolution" value="1" units="1/dev"/>
+        </inkml:channelProperties>
+      </inkml:inkSource>
+      <inkml:timestamp xml:id="ts0" timeString="2026-02-06T23:59:11.895"/>
+    </inkml:context>
+    <inkml:brush xml:id="br0">
+      <inkml:brushProperty name="width" value="0.05292" units="cm"/>
+      <inkml:brushProperty name="height" value="0.05292" units="cm"/>
+      <inkml:brushProperty name="color" value="#0070C0"/>
+    </inkml:brush>
+  </inkml:definitions>
+  <inkml:trace contextRef="#ctx0" brushRef="#br0">20142 5485 0,'0'0'0,"-17"17"0,-34 51 0,-77 188 15,120-214-15,8-16 0,0-1 16,17-8-16,17 0 16,0-8-1,9 8-15,42-9 16,52 9-1,8 0-15,-43-8 16,9-1 0,68 1-16,-34 16 15,-42 9 1,50 9-16,69 25 16,-60-26-1,-8 9-15,85 9 16,-34-26-1,42 8-15,-16-16 16,-43-18 0,42 1-16,-8-1 15,51 1 1,-77-9-16,-59-9 16,68 1-16,-52-1 15,-67 1 1,25 8-1,-9 8 1,-8-8-16,-9 0 16,-16 0-1,-27 0-15,-16-8 16,0-1 0,-9-8-16,0-17 0,-9-34 15,-8-25 1,-25-9-1,16 51 1</inkml:trace>
+  <inkml:trace contextRef="#ctx0" brushRef="#br0" timeOffset="4495.14">18845 6157 0,'0'0'0,"0"0"16,0 0-16,0 0 16,0 0-1,9-8-15,25-9 16,17-9-16,43-8 16,42-17-1,35-25 1,-34-1-16,-18 1 15,35-18 1,-26 17-16,-17 18 16,-9 16-16,1 1 31,-27 8-31,-24 0 16,-18 17-1,-9 0-15,-16 8 16,0 9-16,-35 0 15,-68 9 1,-43 8-16,-8 8 16,0-8-1,34-8-15,43-1 16,34 1 0,17-9-16,17 0 0,0-9 31,34-8-31,51-25 15,35-9-15,-18 8 16,1 26 0,-9 17-1,-18 0-15,-7 17 16,-10 0-16,-7 17 16,-18 17-1,-17 17 1,-34 60-16,-69 42 15,-110 85 1</inkml:trace>
+  <inkml:trace contextRef="#ctx0" brushRef="#br0" timeOffset="23003.75">5539 9185 0,'0'0'0,"0"0"0,0 0 15,0 0-15,0 0 16,0 0 0,0 0-1,0 0-15,0 0 16,0 0-1,0-9-15,0 9 16,0 0 0,0 0-16,-8 0 15,-18 17 1,-51 26-16,-34 67 16,-8 35-1,42-43-15,43-42 16,8 25-1,1 42-15,8 35 16,-1-52-16,18 18 16,0 33-1,0-24 1,9-44 0,25-42-16,52 17 15,42 26-15,-26-18 16,-34-25-1,94 9-15,35-18 16,-78-33 0,112-69-1,16-16-15,-25 16 16,43-16-16,-1-43 16,9-17-1,-17 8-15,18 26 16,7-9-1,-8-25 1,35-25-16,-35 33 16,-17-8-16,17-34 15,-111 51 1,9 0 0,25-26-16,-68 18 15,-68 33-15,-26 9 16,-9 0-1,-7-25-15,-10-1 16,-8 17-16,-17 9 31,-43-8-31,-76-9 16,8 17-16,-26 17 16,-85 0-1,9 34 1,-52 25-16,17 26 15,-8 34 1,-60 26-16,18 16 0,-104 52 31,-59 50-31,69 10 0,-1 33 32,0 17-32,35 8 15,42-24-15,-34 58 16,0 18-1,94-51-15</inkml:trace>
+  <inkml:trace contextRef="#ctx0" brushRef="#br0" timeOffset="29878.98">2031 2764 0,'0'0'0,"0"0"16,0 0-16,0 0 0,0 0 31,17 17-31,-17 34 16,17 43-1,-8 59-15,-18 25 16,-8 26 0,-25-8-16,8-9 15,8-25 1,9-43-16,17-34 15,0-26-15,0-16 16,17-9 0,9-9-1,25 1-15,60-26 16,51-17 0,51-43-16,1-25 15,-10 0 1,10 0-16,8 0 15,34 9 1,17 16-16,17 9 16,17 17-1,18 0-15,16 8 16,-8 9 0,-9 17-16,18 9 15,-18 8-15,0 0 16,-25 8-1,-17 1 1,-1 8-16,-7 9 16,-10-1-1,-33-8-15,-1-8 0,-8-18 32,-34 1-32,-9-1 15,-25 1 1,-44-1-16,-7-8 15,-18 0 1,-25 0-16,-26 0 16,-8 0-1,-18 0-15,1-8 16,-1-9 0,-16-43-16,-9-33 15,-9-18 1,9-8-16,34-26 15,60-144 1</inkml:trace>
+  <inkml:trace contextRef="#ctx0" brushRef="#br0" timeOffset="48653.85">22660 9270 0,'0'0'0,"0"0"15,9 0-15,16 8 16,18-16-1,42-1 1,35 9-16,16 0 16,27 0-1,127-17-15</inkml:trace>
+  <inkml:trace contextRef="#ctx0" brushRef="#br0" timeOffset="58158.91">3824 6565 0,'0'0'0,"0"0"0,0 0 0,0 0 15,0 0 1,17-8-1,34-18-15,85-84 16,35-60-16,-34 34 16,33-34-1,35-43 1,-68 68-16,-1 9 16,10-34-16,-44 34 15,-25 51 1,-9-17-16,-25-8 31,-26 16-31,-26 26 0,-25 17 16,-34 8-1,-35 18 1,1 25 0,-18 25-16,1 9 15,17 17-15,25-17 16,26-8-16,8-1 15,17-16 1,9 0 0,9-1-16,8-8 15,17-17-15,42-26 16,35-16 0,17-9-16,0 25 15,-25 18 1,-18 25-1,-8 25 1,-18 60-16,-8 60 0,-8 68 16,8-1-1,17 86 1</inkml:trace>
+</inkml:ink>
+</file>
+
+<file path=ppt/ink/ink9.xml><?xml version="1.0" encoding="utf-8"?>
+<inkml:ink xmlns:inkml="http://www.w3.org/2003/InkML">
+  <inkml:definitions>
+    <inkml:context xml:id="ctx0">
+      <inkml:inkSource xml:id="inkSrc0">
+        <inkml:traceFormat>
+          <inkml:channel name="X" type="integer" max="3968" units="cm"/>
+          <inkml:channel name="Y" type="integer" max="2240" units="cm"/>
+          <inkml:channel name="T" type="integer" max="2.14748E9" units="dev"/>
+        </inkml:traceFormat>
+        <inkml:channelProperties>
+          <inkml:channelProperty channel="X" name="resolution" value="128.41425" units="1/cm"/>
+          <inkml:channelProperty channel="Y" name="resolution" value="128.73563" units="1/cm"/>
+          <inkml:channelProperty channel="T" name="resolution" value="1" units="1/dev"/>
+        </inkml:channelProperties>
+      </inkml:inkSource>
+      <inkml:timestamp xml:id="ts0" timeString="2026-02-07T00:00:49.410"/>
+    </inkml:context>
+    <inkml:brush xml:id="br0">
+      <inkml:brushProperty name="width" value="0.05292" units="cm"/>
+      <inkml:brushProperty name="height" value="0.05292" units="cm"/>
+      <inkml:brushProperty name="color" value="#0070C0"/>
+    </inkml:brush>
+  </inkml:definitions>
+  <inkml:trace contextRef="#ctx0" brushRef="#br0">24453 8879 0,'0'0'16,"0"0"-16,0 0 15,-9 0-15,-17 25 16,1 9-16,-18 26 15,9-1 1,8-16-16,1 8 16,8 8-1,0-16 1,0-1-16,0-8 16,8-8-1,9-9-15,0-9 16,0 1-16,26-1 15,25 1 1,9-9-16,16-9 16,27 1-16,8-9 15,0 0 1,-9 8 0,9 1-1,17 8 1,-8 8-16,-9 9 15,-26 0-15,-34 9 0,0-1 32,-8 1-32,-9-1 15,-17-16 1,-8-1 0,-1 1-16,1-1 15,-1-16-15,9-26 16,18-17-1,-10-26-15,9-16 16,-17 42 0</inkml:trace>
+  <inkml:trace contextRef="#ctx0" brushRef="#br0" timeOffset="3664.71">8151 14611 0,'0'0'0,"0"0"0,0 0 0,0 0 16,0 0-1,0 0 1,0 0-16,-9 0 16,9 0-1,-8-9-15,8-59 16,8-76 0,9 24-16,18 10 15,-10-77-15,26 0 31,26 25-31,26-93 16,8 34 0,-9-51-16,-8-34 15,42 8-15,35-76 16,-34 68 0,25-60-1,-9 0-15,-33 103 16,17-69-1,-18 51-15,-8 60 16,-34 9-16,-17 58 16,-18 61-1,-16 33 1,-18 18-16,1 25 16,-1 0-16,-8 0 15,0 17-15,-8 0 16,-9 8-1,-26 18 1,-34 33 0,-17 26-16,9 0 15,17-17 1,25-16-16,18-27 16,7-16-16,10-1 15,8 1 1,0-26-1,17-26-15,34-51 16,26-25 0,8-25-16,1 16 15,-18 35 1,-25 33-16,-1 35 16,-8 8-1,-8 17-15,8 25 16,0 60-1,-25 68-15,-9 26 16,17-26 0,9-42-16,33-35 15,-16-42 1</inkml:trace>
+  <inkml:trace contextRef="#ctx0" brushRef="#br0" timeOffset="13883.12">19212 9780 0,'-8'0'0,"-1"9"15,-17 8 1,1 8-16,-1 1 0,1-1 16,-18 9-1,0 17-15,1 0 31,-10 17-31,-7 17 16,-18 26 0,0 16-16,0 10 15,9-18-15,0 8 16,-1 26 0,10 0-1,7 0-15,-7 43 16,-1-9-1,9-17-15,8 26 0,9-18 16,8-16 0,1 8-1,16 17-15,-8-17 16,0 26 0,0-9-1,17-25-15,0 16 0,0 9 31,0-34-31,17 0 16,0 9 0,-8-17-16,-1-26 15,9 17-15,17 17 16,-8-26 0,8 1-1,17 16-15,1 1 16,16-9-1,9-8-15,8-1 16,17 9 0,-8-8-16,0-26 15,0-26-15,-9-7 32,9-10-32,9-8 15,-9-17 1,0-17-16,-9-17 15,-17-8-15,-8-18 16,42-25 0,18-17-16,8-51 15,0-34 1,-9-9-16,26-59 16,-8-8-1,-26-1-15,-17-17 16,-34 9-1,-18-17-15,-8 8 0,-8-16 32,0-9-17,-1-9-15,-8 0 16,-8 1-16,-9-9 16,0 8-1,-17 17-15,-9 9 16,1 0-1,-27 42 1,-7 1-16,-1 8 16,-8 8-1,-9 26-15,-9 17 16,-16 8-16,0 43 16,-9 26-1,-35 16-15,-16 35 16,9 25-1,-1 17-15,26 17 16,77-9 0</inkml:trace>
+</inkml:ink>
 </file>
 
 <file path=ppt/notesMasters/notesMaster1.xml><?xml version="1.0" encoding="utf-8"?>
@@ -4289,6 +4671,57 @@
           </p:sp>
         </mc:Fallback>
       </mc:AlternateContent>
+      <mc:AlternateContent xmlns:mc="http://schemas.openxmlformats.org/markup-compatibility/2006">
+        <mc:Choice xmlns:p14="http://schemas.microsoft.com/office/powerpoint/2010/main" Requires="p14">
+          <p:contentPart p14:bwMode="auto" r:id="rId3">
+            <p14:nvContentPartPr>
+              <p14:cNvPr id="4" name="Ink 3">
+                <a:extLst>
+                  <a:ext uri="{FF2B5EF4-FFF2-40B4-BE49-F238E27FC236}">
+                    <a16:creationId xmlns:a16="http://schemas.microsoft.com/office/drawing/2014/main" id="{56D03129-41C4-AFA6-341E-E81258B9A5A7}"/>
+                  </a:ext>
+                </a:extLst>
+              </p14:cNvPr>
+              <p14:cNvContentPartPr/>
+              <p14:nvPr/>
+            </p14:nvContentPartPr>
+            <p14:xfrm>
+              <a:off x="2037240" y="3300480"/>
+              <a:ext cx="4882680" cy="1935360"/>
+            </p14:xfrm>
+          </p:contentPart>
+        </mc:Choice>
+        <mc:Fallback>
+          <p:pic>
+            <p:nvPicPr>
+              <p:cNvPr id="4" name="Ink 3">
+                <a:extLst>
+                  <a:ext uri="{FF2B5EF4-FFF2-40B4-BE49-F238E27FC236}">
+                    <a16:creationId xmlns:a16="http://schemas.microsoft.com/office/drawing/2014/main" id="{56D03129-41C4-AFA6-341E-E81258B9A5A7}"/>
+                  </a:ext>
+                </a:extLst>
+              </p:cNvPr>
+              <p:cNvPicPr/>
+              <p:nvPr/>
+            </p:nvPicPr>
+            <p:blipFill>
+              <a:blip r:embed="rId4"/>
+              <a:stretch>
+                <a:fillRect/>
+              </a:stretch>
+            </p:blipFill>
+            <p:spPr>
+              <a:xfrm>
+                <a:off x="2027880" y="3291120"/>
+                <a:ext cx="4901400" cy="1954080"/>
+              </a:xfrm>
+              <a:prstGeom prst="rect">
+                <a:avLst/>
+              </a:prstGeom>
+            </p:spPr>
+          </p:pic>
+        </mc:Fallback>
+      </mc:AlternateContent>
     </p:spTree>
     <p:extLst>
       <p:ext uri="{BB962C8B-B14F-4D97-AF65-F5344CB8AC3E}">
@@ -5261,6 +5694,57 @@
           </a:extLst>
         </p:spPr>
       </p:pic>
+      <mc:AlternateContent xmlns:mc="http://schemas.openxmlformats.org/markup-compatibility/2006">
+        <mc:Choice xmlns:p14="http://schemas.microsoft.com/office/powerpoint/2010/main" Requires="p14">
+          <p:contentPart p14:bwMode="auto" r:id="rId11">
+            <p14:nvContentPartPr>
+              <p14:cNvPr id="5" name="Ink 4">
+                <a:extLst>
+                  <a:ext uri="{FF2B5EF4-FFF2-40B4-BE49-F238E27FC236}">
+                    <a16:creationId xmlns:a16="http://schemas.microsoft.com/office/drawing/2014/main" id="{1BF86C0E-DE3B-3C5D-4DC5-331BD1F58517}"/>
+                  </a:ext>
+                </a:extLst>
+              </p14:cNvPr>
+              <p14:cNvContentPartPr/>
+              <p14:nvPr/>
+            </p14:nvContentPartPr>
+            <p14:xfrm>
+              <a:off x="482400" y="771480"/>
+              <a:ext cx="9122760" cy="4736880"/>
+            </p14:xfrm>
+          </p:contentPart>
+        </mc:Choice>
+        <mc:Fallback>
+          <p:pic>
+            <p:nvPicPr>
+              <p:cNvPr id="5" name="Ink 4">
+                <a:extLst>
+                  <a:ext uri="{FF2B5EF4-FFF2-40B4-BE49-F238E27FC236}">
+                    <a16:creationId xmlns:a16="http://schemas.microsoft.com/office/drawing/2014/main" id="{1BF86C0E-DE3B-3C5D-4DC5-331BD1F58517}"/>
+                  </a:ext>
+                </a:extLst>
+              </p:cNvPr>
+              <p:cNvPicPr/>
+              <p:nvPr/>
+            </p:nvPicPr>
+            <p:blipFill>
+              <a:blip r:embed="rId12"/>
+              <a:stretch>
+                <a:fillRect/>
+              </a:stretch>
+            </p:blipFill>
+            <p:spPr>
+              <a:xfrm>
+                <a:off x="473040" y="762120"/>
+                <a:ext cx="9141480" cy="4755600"/>
+              </a:xfrm>
+              <a:prstGeom prst="rect">
+                <a:avLst/>
+              </a:prstGeom>
+            </p:spPr>
+          </p:pic>
+        </mc:Fallback>
+      </mc:AlternateContent>
     </p:spTree>
     <p:extLst>
       <p:ext uri="{BB962C8B-B14F-4D97-AF65-F5344CB8AC3E}">
@@ -6725,6 +7209,57 @@
               </a:p>
             </p:txBody>
           </p:sp>
+        </mc:Fallback>
+      </mc:AlternateContent>
+      <mc:AlternateContent xmlns:mc="http://schemas.openxmlformats.org/markup-compatibility/2006">
+        <mc:Choice xmlns:p14="http://schemas.microsoft.com/office/powerpoint/2010/main" Requires="p14">
+          <p:contentPart p14:bwMode="auto" r:id="rId5">
+            <p14:nvContentPartPr>
+              <p14:cNvPr id="3" name="Ink 2">
+                <a:extLst>
+                  <a:ext uri="{FF2B5EF4-FFF2-40B4-BE49-F238E27FC236}">
+                    <a16:creationId xmlns:a16="http://schemas.microsoft.com/office/drawing/2014/main" id="{8F4CFB6F-1361-AA56-757B-8F88D5009006}"/>
+                  </a:ext>
+                </a:extLst>
+              </p14:cNvPr>
+              <p14:cNvContentPartPr/>
+              <p14:nvPr/>
+            </p14:nvContentPartPr>
+            <p14:xfrm>
+              <a:off x="694440" y="995040"/>
+              <a:ext cx="8296200" cy="3003840"/>
+            </p14:xfrm>
+          </p:contentPart>
+        </mc:Choice>
+        <mc:Fallback>
+          <p:pic>
+            <p:nvPicPr>
+              <p:cNvPr id="3" name="Ink 2">
+                <a:extLst>
+                  <a:ext uri="{FF2B5EF4-FFF2-40B4-BE49-F238E27FC236}">
+                    <a16:creationId xmlns:a16="http://schemas.microsoft.com/office/drawing/2014/main" id="{8F4CFB6F-1361-AA56-757B-8F88D5009006}"/>
+                  </a:ext>
+                </a:extLst>
+              </p:cNvPr>
+              <p:cNvPicPr/>
+              <p:nvPr/>
+            </p:nvPicPr>
+            <p:blipFill>
+              <a:blip r:embed="rId6"/>
+              <a:stretch>
+                <a:fillRect/>
+              </a:stretch>
+            </p:blipFill>
+            <p:spPr>
+              <a:xfrm>
+                <a:off x="685080" y="985680"/>
+                <a:ext cx="8314920" cy="3022560"/>
+              </a:xfrm>
+              <a:prstGeom prst="rect">
+                <a:avLst/>
+              </a:prstGeom>
+            </p:spPr>
+          </p:pic>
         </mc:Fallback>
       </mc:AlternateContent>
     </p:spTree>
@@ -8354,6 +8889,57 @@
           </p:style>
         </p:cxnSp>
       </p:grpSp>
+      <mc:AlternateContent xmlns:mc="http://schemas.openxmlformats.org/markup-compatibility/2006">
+        <mc:Choice xmlns:p14="http://schemas.microsoft.com/office/powerpoint/2010/main" Requires="p14">
+          <p:contentPart p14:bwMode="auto" r:id="rId5">
+            <p14:nvContentPartPr>
+              <p14:cNvPr id="6" name="Ink 5">
+                <a:extLst>
+                  <a:ext uri="{FF2B5EF4-FFF2-40B4-BE49-F238E27FC236}">
+                    <a16:creationId xmlns:a16="http://schemas.microsoft.com/office/drawing/2014/main" id="{CE724165-7E1B-D47B-C233-ADE9A886DE1D}"/>
+                  </a:ext>
+                </a:extLst>
+              </p14:cNvPr>
+              <p14:cNvContentPartPr/>
+              <p14:nvPr/>
+            </p14:nvContentPartPr>
+            <p14:xfrm>
+              <a:off x="2928240" y="3184200"/>
+              <a:ext cx="6338880" cy="2721960"/>
+            </p14:xfrm>
+          </p:contentPart>
+        </mc:Choice>
+        <mc:Fallback>
+          <p:pic>
+            <p:nvPicPr>
+              <p:cNvPr id="6" name="Ink 5">
+                <a:extLst>
+                  <a:ext uri="{FF2B5EF4-FFF2-40B4-BE49-F238E27FC236}">
+                    <a16:creationId xmlns:a16="http://schemas.microsoft.com/office/drawing/2014/main" id="{CE724165-7E1B-D47B-C233-ADE9A886DE1D}"/>
+                  </a:ext>
+                </a:extLst>
+              </p:cNvPr>
+              <p:cNvPicPr/>
+              <p:nvPr/>
+            </p:nvPicPr>
+            <p:blipFill>
+              <a:blip r:embed="rId6"/>
+              <a:stretch>
+                <a:fillRect/>
+              </a:stretch>
+            </p:blipFill>
+            <p:spPr>
+              <a:xfrm>
+                <a:off x="2918880" y="3174840"/>
+                <a:ext cx="6357600" cy="2740680"/>
+              </a:xfrm>
+              <a:prstGeom prst="rect">
+                <a:avLst/>
+              </a:prstGeom>
+            </p:spPr>
+          </p:pic>
+        </mc:Fallback>
+      </mc:AlternateContent>
     </p:spTree>
     <p:extLst>
       <p:ext uri="{BB962C8B-B14F-4D97-AF65-F5344CB8AC3E}">
@@ -9705,6 +10291,57 @@
           </a:p>
         </p:txBody>
       </p:sp>
+      <mc:AlternateContent xmlns:mc="http://schemas.openxmlformats.org/markup-compatibility/2006">
+        <mc:Choice xmlns:p14="http://schemas.microsoft.com/office/powerpoint/2010/main" Requires="p14">
+          <p:contentPart p14:bwMode="auto" r:id="rId2">
+            <p14:nvContentPartPr>
+              <p14:cNvPr id="7" name="Ink 6">
+                <a:extLst>
+                  <a:ext uri="{FF2B5EF4-FFF2-40B4-BE49-F238E27FC236}">
+                    <a16:creationId xmlns:a16="http://schemas.microsoft.com/office/drawing/2014/main" id="{49E8FBCC-8FB0-28EC-80B1-12BC12B793CB}"/>
+                  </a:ext>
+                </a:extLst>
+              </p14:cNvPr>
+              <p14:cNvContentPartPr/>
+              <p14:nvPr/>
+            </p14:nvContentPartPr>
+            <p14:xfrm>
+              <a:off x="826560" y="2363400"/>
+              <a:ext cx="9165960" cy="1999800"/>
+            </p14:xfrm>
+          </p:contentPart>
+        </mc:Choice>
+        <mc:Fallback>
+          <p:pic>
+            <p:nvPicPr>
+              <p:cNvPr id="7" name="Ink 6">
+                <a:extLst>
+                  <a:ext uri="{FF2B5EF4-FFF2-40B4-BE49-F238E27FC236}">
+                    <a16:creationId xmlns:a16="http://schemas.microsoft.com/office/drawing/2014/main" id="{49E8FBCC-8FB0-28EC-80B1-12BC12B793CB}"/>
+                  </a:ext>
+                </a:extLst>
+              </p:cNvPr>
+              <p:cNvPicPr/>
+              <p:nvPr/>
+            </p:nvPicPr>
+            <p:blipFill>
+              <a:blip r:embed="rId3"/>
+              <a:stretch>
+                <a:fillRect/>
+              </a:stretch>
+            </p:blipFill>
+            <p:spPr>
+              <a:xfrm>
+                <a:off x="817200" y="2354040"/>
+                <a:ext cx="9184680" cy="2018520"/>
+              </a:xfrm>
+              <a:prstGeom prst="rect">
+                <a:avLst/>
+              </a:prstGeom>
+            </p:spPr>
+          </p:pic>
+        </mc:Fallback>
+      </mc:AlternateContent>
     </p:spTree>
     <p:extLst>
       <p:ext uri="{BB962C8B-B14F-4D97-AF65-F5344CB8AC3E}">
@@ -11781,6 +12418,57 @@
           </p:sp>
         </mc:Fallback>
       </mc:AlternateContent>
+      <mc:AlternateContent xmlns:mc="http://schemas.openxmlformats.org/markup-compatibility/2006">
+        <mc:Choice xmlns:p14="http://schemas.microsoft.com/office/powerpoint/2010/main" Requires="p14">
+          <p:contentPart p14:bwMode="auto" r:id="rId6">
+            <p14:nvContentPartPr>
+              <p14:cNvPr id="3" name="Ink 2">
+                <a:extLst>
+                  <a:ext uri="{FF2B5EF4-FFF2-40B4-BE49-F238E27FC236}">
+                    <a16:creationId xmlns:a16="http://schemas.microsoft.com/office/drawing/2014/main" id="{41BACAF0-9275-CA8D-BFD2-0B0C7DED7F0C}"/>
+                  </a:ext>
+                </a:extLst>
+              </p14:cNvPr>
+              <p14:cNvContentPartPr/>
+              <p14:nvPr/>
+            </p14:nvContentPartPr>
+            <p14:xfrm>
+              <a:off x="1905120" y="1463400"/>
+              <a:ext cx="3161880" cy="2275200"/>
+            </p14:xfrm>
+          </p:contentPart>
+        </mc:Choice>
+        <mc:Fallback>
+          <p:pic>
+            <p:nvPicPr>
+              <p:cNvPr id="3" name="Ink 2">
+                <a:extLst>
+                  <a:ext uri="{FF2B5EF4-FFF2-40B4-BE49-F238E27FC236}">
+                    <a16:creationId xmlns:a16="http://schemas.microsoft.com/office/drawing/2014/main" id="{41BACAF0-9275-CA8D-BFD2-0B0C7DED7F0C}"/>
+                  </a:ext>
+                </a:extLst>
+              </p:cNvPr>
+              <p:cNvPicPr/>
+              <p:nvPr/>
+            </p:nvPicPr>
+            <p:blipFill>
+              <a:blip r:embed="rId7"/>
+              <a:stretch>
+                <a:fillRect/>
+              </a:stretch>
+            </p:blipFill>
+            <p:spPr>
+              <a:xfrm>
+                <a:off x="1895760" y="1454040"/>
+                <a:ext cx="3180600" cy="2293920"/>
+              </a:xfrm>
+              <a:prstGeom prst="rect">
+                <a:avLst/>
+              </a:prstGeom>
+            </p:spPr>
+          </p:pic>
+        </mc:Fallback>
+      </mc:AlternateContent>
     </p:spTree>
     <p:extLst>
       <p:ext uri="{BB962C8B-B14F-4D97-AF65-F5344CB8AC3E}">
@@ -11858,7 +12546,7 @@
         <p:spPr/>
         <p:txBody>
           <a:bodyPr>
-            <a:normAutofit lnSpcReduction="10000"/>
+            <a:normAutofit fontScale="70000" lnSpcReduction="20000"/>
           </a:bodyPr>
           <a:lstStyle/>
           <a:p>
@@ -11897,18 +12585,28 @@
           </a:p>
           <a:p>
             <a:r>
-              <a:rPr lang="en-US"/>
-              <a:t>LinkedIn </a:t>
+              <a:rPr lang="en-US" dirty="0"/>
+              <a:t>LinkedIn Connections</a:t>
             </a:r>
+          </a:p>
+          <a:p>
+            <a:pPr lvl="1"/>
             <a:r>
               <a:rPr lang="en-US" dirty="0"/>
-              <a:t>Connections</a:t>
+              <a:t>Nodes: person, Edges: “connection”, undirected, simple, unweighted</a:t>
             </a:r>
           </a:p>
           <a:p>
             <a:r>
               <a:rPr lang="en-US" dirty="0"/>
-              <a:t>Twitter Followers</a:t>
+              <a:t>Twitter/X Followers</a:t>
+            </a:r>
+          </a:p>
+          <a:p>
+            <a:pPr lvl="1"/>
+            <a:r>
+              <a:rPr lang="en-US" dirty="0"/>
+              <a:t>Nodes: accounts, Edges: following, directed, simple, unweighted </a:t>
             </a:r>
           </a:p>
           <a:p>
@@ -11918,15 +12616,44 @@
             </a:r>
           </a:p>
           <a:p>
+            <a:pPr lvl="1"/>
+            <a:r>
+              <a:rPr lang="en-US" dirty="0"/>
+              <a:t>Nodes: classes, edges: implements/extends, directed, simple, unweighted</a:t>
+            </a:r>
+          </a:p>
+          <a:p>
             <a:r>
               <a:rPr lang="en-US" dirty="0"/>
               <a:t>Airline Routes</a:t>
             </a:r>
           </a:p>
           <a:p>
+            <a:pPr lvl="1"/>
+            <a:r>
+              <a:rPr lang="en-US" dirty="0"/>
+              <a:t>Nodes: airports, edges: flight, directed, not simple, weighted</a:t>
+            </a:r>
+          </a:p>
+          <a:p>
             <a:r>
               <a:rPr lang="en-US" dirty="0"/>
               <a:t>Course Prerequisites</a:t>
+            </a:r>
+          </a:p>
+          <a:p>
+            <a:pPr lvl="1"/>
+            <a:r>
+              <a:rPr lang="en-US" dirty="0"/>
+              <a:t>Nodes: courses, edges: </a:t>
+            </a:r>
+            <a:r>
+              <a:rPr lang="en-US" dirty="0" err="1"/>
+              <a:t>prereq</a:t>
+            </a:r>
+            <a:r>
+              <a:rPr lang="en-US" dirty="0"/>
+              <a:t>, directed, simple, unweighted</a:t>
             </a:r>
           </a:p>
           <a:p>
@@ -31757,6 +32484,57 @@
           </a:p>
         </p:txBody>
       </p:sp>
+      <mc:AlternateContent xmlns:mc="http://schemas.openxmlformats.org/markup-compatibility/2006">
+        <mc:Choice xmlns:p14="http://schemas.microsoft.com/office/powerpoint/2010/main" Requires="p14">
+          <p:contentPart p14:bwMode="auto" r:id="rId3">
+            <p14:nvContentPartPr>
+              <p14:cNvPr id="4" name="Ink 3">
+                <a:extLst>
+                  <a:ext uri="{FF2B5EF4-FFF2-40B4-BE49-F238E27FC236}">
+                    <a16:creationId xmlns:a16="http://schemas.microsoft.com/office/drawing/2014/main" id="{A5A9F656-7837-C5E4-2F5D-D5EE9787C44E}"/>
+                  </a:ext>
+                </a:extLst>
+              </p14:cNvPr>
+              <p14:cNvContentPartPr/>
+              <p14:nvPr/>
+            </p14:nvContentPartPr>
+            <p14:xfrm>
+              <a:off x="1994040" y="4173120"/>
+              <a:ext cx="7110360" cy="1175760"/>
+            </p14:xfrm>
+          </p:contentPart>
+        </mc:Choice>
+        <mc:Fallback>
+          <p:pic>
+            <p:nvPicPr>
+              <p:cNvPr id="4" name="Ink 3">
+                <a:extLst>
+                  <a:ext uri="{FF2B5EF4-FFF2-40B4-BE49-F238E27FC236}">
+                    <a16:creationId xmlns:a16="http://schemas.microsoft.com/office/drawing/2014/main" id="{A5A9F656-7837-C5E4-2F5D-D5EE9787C44E}"/>
+                  </a:ext>
+                </a:extLst>
+              </p:cNvPr>
+              <p:cNvPicPr/>
+              <p:nvPr/>
+            </p:nvPicPr>
+            <p:blipFill>
+              <a:blip r:embed="rId4"/>
+              <a:stretch>
+                <a:fillRect/>
+              </a:stretch>
+            </p:blipFill>
+            <p:spPr>
+              <a:xfrm>
+                <a:off x="1984680" y="4163760"/>
+                <a:ext cx="7129080" cy="1194480"/>
+              </a:xfrm>
+              <a:prstGeom prst="rect">
+                <a:avLst/>
+              </a:prstGeom>
+            </p:spPr>
+          </p:pic>
+        </mc:Fallback>
+      </mc:AlternateContent>
     </p:spTree>
     <p:extLst>
       <p:ext uri="{BB962C8B-B14F-4D97-AF65-F5344CB8AC3E}">
@@ -32153,6 +32931,57 @@
           </p:sp>
         </mc:Fallback>
       </mc:AlternateContent>
+      <mc:AlternateContent xmlns:mc="http://schemas.openxmlformats.org/markup-compatibility/2006">
+        <mc:Choice xmlns:p14="http://schemas.microsoft.com/office/powerpoint/2010/main" Requires="p14">
+          <p:contentPart p14:bwMode="auto" r:id="rId3">
+            <p14:nvContentPartPr>
+              <p14:cNvPr id="4" name="Ink 3">
+                <a:extLst>
+                  <a:ext uri="{FF2B5EF4-FFF2-40B4-BE49-F238E27FC236}">
+                    <a16:creationId xmlns:a16="http://schemas.microsoft.com/office/drawing/2014/main" id="{17087D96-4227-8277-ADDB-9DF54F3C0826}"/>
+                  </a:ext>
+                </a:extLst>
+              </p14:cNvPr>
+              <p14:cNvContentPartPr/>
+              <p14:nvPr/>
+            </p14:nvContentPartPr>
+            <p14:xfrm>
+              <a:off x="949320" y="4926240"/>
+              <a:ext cx="1994400" cy="649440"/>
+            </p14:xfrm>
+          </p:contentPart>
+        </mc:Choice>
+        <mc:Fallback>
+          <p:pic>
+            <p:nvPicPr>
+              <p:cNvPr id="4" name="Ink 3">
+                <a:extLst>
+                  <a:ext uri="{FF2B5EF4-FFF2-40B4-BE49-F238E27FC236}">
+                    <a16:creationId xmlns:a16="http://schemas.microsoft.com/office/drawing/2014/main" id="{17087D96-4227-8277-ADDB-9DF54F3C0826}"/>
+                  </a:ext>
+                </a:extLst>
+              </p:cNvPr>
+              <p:cNvPicPr/>
+              <p:nvPr/>
+            </p:nvPicPr>
+            <p:blipFill>
+              <a:blip r:embed="rId4"/>
+              <a:stretch>
+                <a:fillRect/>
+              </a:stretch>
+            </p:blipFill>
+            <p:spPr>
+              <a:xfrm>
+                <a:off x="939960" y="4916880"/>
+                <a:ext cx="2013120" cy="668160"/>
+              </a:xfrm>
+              <a:prstGeom prst="rect">
+                <a:avLst/>
+              </a:prstGeom>
+            </p:spPr>
+          </p:pic>
+        </mc:Fallback>
+      </mc:AlternateContent>
     </p:spTree>
     <p:extLst>
       <p:ext uri="{BB962C8B-B14F-4D97-AF65-F5344CB8AC3E}">
@@ -32279,6 +33108,57 @@
           </a:p>
         </p:txBody>
       </p:sp>
+      <mc:AlternateContent xmlns:mc="http://schemas.openxmlformats.org/markup-compatibility/2006">
+        <mc:Choice xmlns:p14="http://schemas.microsoft.com/office/powerpoint/2010/main" Requires="p14">
+          <p:contentPart p14:bwMode="auto" r:id="rId2">
+            <p14:nvContentPartPr>
+              <p14:cNvPr id="4" name="Ink 3">
+                <a:extLst>
+                  <a:ext uri="{FF2B5EF4-FFF2-40B4-BE49-F238E27FC236}">
+                    <a16:creationId xmlns:a16="http://schemas.microsoft.com/office/drawing/2014/main" id="{A5163475-788E-3F08-C68A-38BEA1E9B7A5}"/>
+                  </a:ext>
+                </a:extLst>
+              </p14:cNvPr>
+              <p14:cNvContentPartPr/>
+              <p14:nvPr/>
+            </p14:nvContentPartPr>
+            <p14:xfrm>
+              <a:off x="550080" y="1631880"/>
+              <a:ext cx="2501280" cy="3095640"/>
+            </p14:xfrm>
+          </p:contentPart>
+        </mc:Choice>
+        <mc:Fallback>
+          <p:pic>
+            <p:nvPicPr>
+              <p:cNvPr id="4" name="Ink 3">
+                <a:extLst>
+                  <a:ext uri="{FF2B5EF4-FFF2-40B4-BE49-F238E27FC236}">
+                    <a16:creationId xmlns:a16="http://schemas.microsoft.com/office/drawing/2014/main" id="{A5163475-788E-3F08-C68A-38BEA1E9B7A5}"/>
+                  </a:ext>
+                </a:extLst>
+              </p:cNvPr>
+              <p:cNvPicPr/>
+              <p:nvPr/>
+            </p:nvPicPr>
+            <p:blipFill>
+              <a:blip r:embed="rId3"/>
+              <a:stretch>
+                <a:fillRect/>
+              </a:stretch>
+            </p:blipFill>
+            <p:spPr>
+              <a:xfrm>
+                <a:off x="540720" y="1622520"/>
+                <a:ext cx="2520000" cy="3114360"/>
+              </a:xfrm>
+              <a:prstGeom prst="rect">
+                <a:avLst/>
+              </a:prstGeom>
+            </p:spPr>
+          </p:pic>
+        </mc:Fallback>
+      </mc:AlternateContent>
     </p:spTree>
     <p:extLst>
       <p:ext uri="{BB962C8B-B14F-4D97-AF65-F5344CB8AC3E}">
@@ -35276,6 +36156,57 @@
           </a:p>
         </p:txBody>
       </p:sp>
+      <mc:AlternateContent xmlns:mc="http://schemas.openxmlformats.org/markup-compatibility/2006">
+        <mc:Choice xmlns:p14="http://schemas.microsoft.com/office/powerpoint/2010/main" Requires="p14">
+          <p:contentPart p14:bwMode="auto" r:id="rId2">
+            <p14:nvContentPartPr>
+              <p14:cNvPr id="10" name="Ink 9">
+                <a:extLst>
+                  <a:ext uri="{FF2B5EF4-FFF2-40B4-BE49-F238E27FC236}">
+                    <a16:creationId xmlns:a16="http://schemas.microsoft.com/office/drawing/2014/main" id="{1CC4EFF8-807F-5632-7513-1F13C135A123}"/>
+                  </a:ext>
+                </a:extLst>
+              </p14:cNvPr>
+              <p14:cNvContentPartPr/>
+              <p14:nvPr/>
+            </p14:nvContentPartPr>
+            <p14:xfrm>
+              <a:off x="436320" y="205200"/>
+              <a:ext cx="5825880" cy="4779360"/>
+            </p14:xfrm>
+          </p:contentPart>
+        </mc:Choice>
+        <mc:Fallback>
+          <p:pic>
+            <p:nvPicPr>
+              <p:cNvPr id="10" name="Ink 9">
+                <a:extLst>
+                  <a:ext uri="{FF2B5EF4-FFF2-40B4-BE49-F238E27FC236}">
+                    <a16:creationId xmlns:a16="http://schemas.microsoft.com/office/drawing/2014/main" id="{1CC4EFF8-807F-5632-7513-1F13C135A123}"/>
+                  </a:ext>
+                </a:extLst>
+              </p:cNvPr>
+              <p:cNvPicPr/>
+              <p:nvPr/>
+            </p:nvPicPr>
+            <p:blipFill>
+              <a:blip r:embed="rId3"/>
+              <a:stretch>
+                <a:fillRect/>
+              </a:stretch>
+            </p:blipFill>
+            <p:spPr>
+              <a:xfrm>
+                <a:off x="426960" y="195840"/>
+                <a:ext cx="5844600" cy="4798080"/>
+              </a:xfrm>
+              <a:prstGeom prst="rect">
+                <a:avLst/>
+              </a:prstGeom>
+            </p:spPr>
+          </p:pic>
+        </mc:Fallback>
+      </mc:AlternateContent>
     </p:spTree>
     <p:extLst>
       <p:ext uri="{BB962C8B-B14F-4D97-AF65-F5344CB8AC3E}">
@@ -43369,6 +44300,57 @@
           </p:sp>
         </p:grpSp>
       </p:grpSp>
+      <mc:AlternateContent xmlns:mc="http://schemas.openxmlformats.org/markup-compatibility/2006">
+        <mc:Choice xmlns:p14="http://schemas.microsoft.com/office/powerpoint/2010/main" Requires="p14">
+          <p:contentPart p14:bwMode="auto" r:id="rId2">
+            <p14:nvContentPartPr>
+              <p14:cNvPr id="10" name="Ink 9">
+                <a:extLst>
+                  <a:ext uri="{FF2B5EF4-FFF2-40B4-BE49-F238E27FC236}">
+                    <a16:creationId xmlns:a16="http://schemas.microsoft.com/office/drawing/2014/main" id="{EDA5DFFD-8CD0-F1BE-4F87-F4235D510D05}"/>
+                  </a:ext>
+                </a:extLst>
+              </p14:cNvPr>
+              <p14:cNvContentPartPr/>
+              <p14:nvPr/>
+            </p14:nvContentPartPr>
+            <p14:xfrm>
+              <a:off x="6369480" y="590760"/>
+              <a:ext cx="1635120" cy="735120"/>
+            </p14:xfrm>
+          </p:contentPart>
+        </mc:Choice>
+        <mc:Fallback>
+          <p:pic>
+            <p:nvPicPr>
+              <p:cNvPr id="10" name="Ink 9">
+                <a:extLst>
+                  <a:ext uri="{FF2B5EF4-FFF2-40B4-BE49-F238E27FC236}">
+                    <a16:creationId xmlns:a16="http://schemas.microsoft.com/office/drawing/2014/main" id="{EDA5DFFD-8CD0-F1BE-4F87-F4235D510D05}"/>
+                  </a:ext>
+                </a:extLst>
+              </p:cNvPr>
+              <p:cNvPicPr/>
+              <p:nvPr/>
+            </p:nvPicPr>
+            <p:blipFill>
+              <a:blip r:embed="rId3"/>
+              <a:stretch>
+                <a:fillRect/>
+              </a:stretch>
+            </p:blipFill>
+            <p:spPr>
+              <a:xfrm>
+                <a:off x="6360120" y="581400"/>
+                <a:ext cx="1653840" cy="753840"/>
+              </a:xfrm>
+              <a:prstGeom prst="rect">
+                <a:avLst/>
+              </a:prstGeom>
+            </p:spPr>
+          </p:pic>
+        </mc:Fallback>
+      </mc:AlternateContent>
     </p:spTree>
     <p:extLst>
       <p:ext uri="{BB962C8B-B14F-4D97-AF65-F5344CB8AC3E}">
